--- a/Documents/How to talk to SUMO through python API.pptx
+++ b/Documents/How to talk to SUMO through python API.pptx
@@ -122,6 +122,7 @@
 <file path=ppt/revisionInfo.xml><?xml version="1.0" encoding="utf-8"?>
 <p1510:revInfo xmlns:a="http://schemas.openxmlformats.org/drawingml/2006/main" xmlns:r="http://schemas.openxmlformats.org/officeDocument/2006/relationships" xmlns:p1510="http://schemas.microsoft.com/office/powerpoint/2015/10/main">
   <p1510:revLst>
+    <p1510:client id="{7F64D240-3E79-4187-AF05-D5003B7B6E5F}" v="1" dt="2022-06-17T17:26:37.076"/>
     <p1510:client id="{F1C4FAFD-8A63-469D-B3E7-3EFAA20C9B0D}" v="503" dt="2022-06-16T19:39:08.225"/>
     <p1510:client id="{F7B29F24-D405-4075-A775-AAD9F01D4005}" v="69" dt="2022-06-16T19:47:11.120"/>
   </p1510:revLst>
@@ -133,18 +134,18 @@
   <pc:docChgLst>
     <pc:chgData name="Bai, Wushuang" userId="08313185-81e5-4dc5-a3b5-3eb13206e8d2" providerId="ADAL" clId="{7F64D240-3E79-4187-AF05-D5003B7B6E5F}"/>
     <pc:docChg chg="modSld">
-      <pc:chgData name="Bai, Wushuang" userId="08313185-81e5-4dc5-a3b5-3eb13206e8d2" providerId="ADAL" clId="{7F64D240-3E79-4187-AF05-D5003B7B6E5F}" dt="2022-06-17T17:25:32.647" v="1" actId="20577"/>
+      <pc:chgData name="Bai, Wushuang" userId="08313185-81e5-4dc5-a3b5-3eb13206e8d2" providerId="ADAL" clId="{7F64D240-3E79-4187-AF05-D5003B7B6E5F}" dt="2022-06-17T17:26:37.076" v="3"/>
       <pc:docMkLst>
         <pc:docMk/>
       </pc:docMkLst>
       <pc:sldChg chg="modSp mod">
-        <pc:chgData name="Bai, Wushuang" userId="08313185-81e5-4dc5-a3b5-3eb13206e8d2" providerId="ADAL" clId="{7F64D240-3E79-4187-AF05-D5003B7B6E5F}" dt="2022-06-17T17:25:32.647" v="1" actId="20577"/>
+        <pc:chgData name="Bai, Wushuang" userId="08313185-81e5-4dc5-a3b5-3eb13206e8d2" providerId="ADAL" clId="{7F64D240-3E79-4187-AF05-D5003B7B6E5F}" dt="2022-06-17T17:26:37.076" v="3"/>
         <pc:sldMkLst>
           <pc:docMk/>
           <pc:sldMk cId="1775876560" sldId="259"/>
         </pc:sldMkLst>
         <pc:spChg chg="mod">
-          <ac:chgData name="Bai, Wushuang" userId="08313185-81e5-4dc5-a3b5-3eb13206e8d2" providerId="ADAL" clId="{7F64D240-3E79-4187-AF05-D5003B7B6E5F}" dt="2022-06-17T17:25:32.647" v="1" actId="20577"/>
+          <ac:chgData name="Bai, Wushuang" userId="08313185-81e5-4dc5-a3b5-3eb13206e8d2" providerId="ADAL" clId="{7F64D240-3E79-4187-AF05-D5003B7B6E5F}" dt="2022-06-17T17:26:37.076" v="3"/>
           <ac:spMkLst>
             <pc:docMk/>
             <pc:sldMk cId="1775876560" sldId="259"/>
@@ -3540,7 +3541,7 @@
         <p:spPr>
           <a:xfrm>
             <a:off x="747295" y="2057400"/>
-            <a:ext cx="9600547" cy="1477328"/>
+            <a:ext cx="9600547" cy="2031325"/>
           </a:xfrm>
           <a:prstGeom prst="rect">
             <a:avLst/>
@@ -3592,7 +3593,7 @@
               <a:rPr lang="en-US">
                 <a:cs typeface="Calibri"/>
               </a:rPr>
-              <a:t>: </a:t>
+              <a:t>: https://github.com/ivsg-psu/TrafficSimulators_GettingStartedWithDifferrentSimulators_GettingStartedWithSUMO/tree/main/Code</a:t>
             </a:r>
           </a:p>
           <a:p>
@@ -4671,6 +4672,15 @@
 </file>
 
 <file path=customXml/item2.xml><?xml version="1.0" encoding="utf-8"?>
+<?mso-contentType ?>
+<FormTemplates xmlns="http://schemas.microsoft.com/sharepoint/v3/contenttype/forms">
+  <Display>DocumentLibraryForm</Display>
+  <Edit>DocumentLibraryForm</Edit>
+  <New>DocumentLibraryForm</New>
+</FormTemplates>
+</file>
+
+<file path=customXml/item3.xml><?xml version="1.0" encoding="utf-8"?>
 <p:properties xmlns:p="http://schemas.microsoft.com/office/2006/metadata/properties" xmlns:xsi="http://www.w3.org/2001/XMLSchema-instance" xmlns:pc="http://schemas.microsoft.com/office/infopath/2007/PartnerControls">
   <documentManagement>
     <Size xmlns="c7c738f6-68ec-422e-b0e4-3523873f7adf" xsi:nil="true"/>
@@ -4681,15 +4691,6 @@
     <_Flow_SignoffStatus xmlns="c7c738f6-68ec-422e-b0e4-3523873f7adf" xsi:nil="true"/>
   </documentManagement>
 </p:properties>
-</file>
-
-<file path=customXml/item3.xml><?xml version="1.0" encoding="utf-8"?>
-<?mso-contentType ?>
-<FormTemplates xmlns="http://schemas.microsoft.com/sharepoint/v3/contenttype/forms">
-  <Display>DocumentLibraryForm</Display>
-  <Edit>DocumentLibraryForm</Edit>
-  <New>DocumentLibraryForm</New>
-</FormTemplates>
 </file>
 
 <file path=customXml/itemProps1.xml><?xml version="1.0" encoding="utf-8"?>
@@ -4712,6 +4713,14 @@
 </file>
 
 <file path=customXml/itemProps2.xml><?xml version="1.0" encoding="utf-8"?>
+<ds:datastoreItem xmlns:ds="http://schemas.openxmlformats.org/officeDocument/2006/customXml" ds:itemID="{B4289391-3766-46F2-BA66-C692E9086156}">
+  <ds:schemaRefs>
+    <ds:schemaRef ds:uri="http://schemas.microsoft.com/sharepoint/v3/contenttype/forms"/>
+  </ds:schemaRefs>
+</ds:datastoreItem>
+</file>
+
+<file path=customXml/itemProps3.xml><?xml version="1.0" encoding="utf-8"?>
 <ds:datastoreItem xmlns:ds="http://schemas.openxmlformats.org/officeDocument/2006/customXml" ds:itemID="{4977DC43-A29B-46F8-92E7-ECBC78C89266}">
   <ds:schemaRefs>
     <ds:schemaRef ds:uri="http://schemas.microsoft.com/office/2006/metadata/properties"/>
@@ -4720,12 +4729,4 @@
     <ds:schemaRef ds:uri="542b8847-f5d4-4c9f-bd30-657d16e5db1d"/>
   </ds:schemaRefs>
 </ds:datastoreItem>
-</file>
-
-<file path=customXml/itemProps3.xml><?xml version="1.0" encoding="utf-8"?>
-<ds:datastoreItem xmlns:ds="http://schemas.openxmlformats.org/officeDocument/2006/customXml" ds:itemID="{B4289391-3766-46F2-BA66-C692E9086156}">
-  <ds:schemaRefs>
-    <ds:schemaRef ds:uri="http://schemas.microsoft.com/sharepoint/v3/contenttype/forms"/>
-  </ds:schemaRefs>
-</ds:datastoreItem>
 </file>
--- a/Documents/How to talk to SUMO through python API.pptx
+++ b/Documents/How to talk to SUMO through python API.pptx
@@ -122,7 +122,7 @@
 <file path=ppt/revisionInfo.xml><?xml version="1.0" encoding="utf-8"?>
 <p1510:revInfo xmlns:a="http://schemas.openxmlformats.org/drawingml/2006/main" xmlns:r="http://schemas.openxmlformats.org/officeDocument/2006/relationships" xmlns:p1510="http://schemas.microsoft.com/office/powerpoint/2015/10/main">
   <p1510:revLst>
-    <p1510:client id="{7F64D240-3E79-4187-AF05-D5003B7B6E5F}" v="1" dt="2022-06-17T17:26:37.076"/>
+    <p1510:client id="{7F64D240-3E79-4187-AF05-D5003B7B6E5F}" v="2" dt="2022-06-17T17:28:40.278"/>
     <p1510:client id="{F1C4FAFD-8A63-469D-B3E7-3EFAA20C9B0D}" v="503" dt="2022-06-16T19:39:08.225"/>
     <p1510:client id="{F7B29F24-D405-4075-A775-AAD9F01D4005}" v="69" dt="2022-06-16T19:47:11.120"/>
   </p1510:revLst>
@@ -134,18 +134,18 @@
   <pc:docChgLst>
     <pc:chgData name="Bai, Wushuang" userId="08313185-81e5-4dc5-a3b5-3eb13206e8d2" providerId="ADAL" clId="{7F64D240-3E79-4187-AF05-D5003B7B6E5F}"/>
     <pc:docChg chg="modSld">
-      <pc:chgData name="Bai, Wushuang" userId="08313185-81e5-4dc5-a3b5-3eb13206e8d2" providerId="ADAL" clId="{7F64D240-3E79-4187-AF05-D5003B7B6E5F}" dt="2022-06-17T17:26:37.076" v="3"/>
+      <pc:chgData name="Bai, Wushuang" userId="08313185-81e5-4dc5-a3b5-3eb13206e8d2" providerId="ADAL" clId="{7F64D240-3E79-4187-AF05-D5003B7B6E5F}" dt="2022-06-17T17:28:47.688" v="7" actId="403"/>
       <pc:docMkLst>
         <pc:docMk/>
       </pc:docMkLst>
       <pc:sldChg chg="modSp mod">
-        <pc:chgData name="Bai, Wushuang" userId="08313185-81e5-4dc5-a3b5-3eb13206e8d2" providerId="ADAL" clId="{7F64D240-3E79-4187-AF05-D5003B7B6E5F}" dt="2022-06-17T17:26:37.076" v="3"/>
+        <pc:chgData name="Bai, Wushuang" userId="08313185-81e5-4dc5-a3b5-3eb13206e8d2" providerId="ADAL" clId="{7F64D240-3E79-4187-AF05-D5003B7B6E5F}" dt="2022-06-17T17:28:47.688" v="7" actId="403"/>
         <pc:sldMkLst>
           <pc:docMk/>
           <pc:sldMk cId="1775876560" sldId="259"/>
         </pc:sldMkLst>
         <pc:spChg chg="mod">
-          <ac:chgData name="Bai, Wushuang" userId="08313185-81e5-4dc5-a3b5-3eb13206e8d2" providerId="ADAL" clId="{7F64D240-3E79-4187-AF05-D5003B7B6E5F}" dt="2022-06-17T17:26:37.076" v="3"/>
+          <ac:chgData name="Bai, Wushuang" userId="08313185-81e5-4dc5-a3b5-3eb13206e8d2" providerId="ADAL" clId="{7F64D240-3E79-4187-AF05-D5003B7B6E5F}" dt="2022-06-17T17:28:47.688" v="7" actId="403"/>
           <ac:spMkLst>
             <pc:docMk/>
             <pc:sldMk cId="1775876560" sldId="259"/>
@@ -3541,7 +3541,7 @@
         <p:spPr>
           <a:xfrm>
             <a:off x="747295" y="2057400"/>
-            <a:ext cx="9600547" cy="2031325"/>
+            <a:ext cx="9600547" cy="1723549"/>
           </a:xfrm>
           <a:prstGeom prst="rect">
             <a:avLst/>
@@ -3568,11 +3568,11 @@
               <a:t>Simulation files can be found here: </a:t>
             </a:r>
             <a:r>
-              <a:rPr lang="en-US" sz="1200" dirty="0">
+              <a:rPr lang="en-US" sz="1600" dirty="0">
                 <a:ea typeface="+mn-lt"/>
                 <a:cs typeface="+mn-lt"/>
               </a:rPr>
-              <a:t>https://pennstateoffice365.sharepoint.com/:f:/r/sites/IntelligentVehiclesandSystemsGroup-Active/Shared%20Documents/IVSG/Projects/Active/2021-2024_PennDOT_ADS_ConstructionZones/12_SUMO_Simulation_Pretesting/Testing_Data/how%20to%20export%20SUMO%20simulation%20results?csf=1&amp;web=1&amp;e=x1Pk83</a:t>
+              <a:t>https://github.com/ivsg-psu/TrafficSimulators_GettingStartedWithDifferrentSimulators_GettingStartedWithSUMO/tree/main/Data</a:t>
             </a:r>
             <a:endParaRPr lang="en-US" sz="1200" dirty="0">
               <a:cs typeface="Calibri"/>
@@ -3587,13 +3587,7 @@
               <a:rPr lang="en-US" dirty="0">
                 <a:cs typeface="Calibri"/>
               </a:rPr>
-              <a:t>Script can be found here</a:t>
-            </a:r>
-            <a:r>
-              <a:rPr lang="en-US">
-                <a:cs typeface="Calibri"/>
-              </a:rPr>
-              <a:t>: https://github.com/ivsg-psu/TrafficSimulators_GettingStartedWithDifferrentSimulators_GettingStartedWithSUMO/tree/main/Code</a:t>
+              <a:t>Script can be found here: https://github.com/ivsg-psu/TrafficSimulators_GettingStartedWithDifferrentSimulators_GettingStartedWithSUMO/tree/main/Code</a:t>
             </a:r>
           </a:p>
           <a:p>
@@ -4672,15 +4666,6 @@
 </file>
 
 <file path=customXml/item2.xml><?xml version="1.0" encoding="utf-8"?>
-<?mso-contentType ?>
-<FormTemplates xmlns="http://schemas.microsoft.com/sharepoint/v3/contenttype/forms">
-  <Display>DocumentLibraryForm</Display>
-  <Edit>DocumentLibraryForm</Edit>
-  <New>DocumentLibraryForm</New>
-</FormTemplates>
-</file>
-
-<file path=customXml/item3.xml><?xml version="1.0" encoding="utf-8"?>
 <p:properties xmlns:p="http://schemas.microsoft.com/office/2006/metadata/properties" xmlns:xsi="http://www.w3.org/2001/XMLSchema-instance" xmlns:pc="http://schemas.microsoft.com/office/infopath/2007/PartnerControls">
   <documentManagement>
     <Size xmlns="c7c738f6-68ec-422e-b0e4-3523873f7adf" xsi:nil="true"/>
@@ -4691,6 +4676,15 @@
     <_Flow_SignoffStatus xmlns="c7c738f6-68ec-422e-b0e4-3523873f7adf" xsi:nil="true"/>
   </documentManagement>
 </p:properties>
+</file>
+
+<file path=customXml/item3.xml><?xml version="1.0" encoding="utf-8"?>
+<?mso-contentType ?>
+<FormTemplates xmlns="http://schemas.microsoft.com/sharepoint/v3/contenttype/forms">
+  <Display>DocumentLibraryForm</Display>
+  <Edit>DocumentLibraryForm</Edit>
+  <New>DocumentLibraryForm</New>
+</FormTemplates>
 </file>
 
 <file path=customXml/itemProps1.xml><?xml version="1.0" encoding="utf-8"?>
@@ -4713,14 +4707,6 @@
 </file>
 
 <file path=customXml/itemProps2.xml><?xml version="1.0" encoding="utf-8"?>
-<ds:datastoreItem xmlns:ds="http://schemas.openxmlformats.org/officeDocument/2006/customXml" ds:itemID="{B4289391-3766-46F2-BA66-C692E9086156}">
-  <ds:schemaRefs>
-    <ds:schemaRef ds:uri="http://schemas.microsoft.com/sharepoint/v3/contenttype/forms"/>
-  </ds:schemaRefs>
-</ds:datastoreItem>
-</file>
-
-<file path=customXml/itemProps3.xml><?xml version="1.0" encoding="utf-8"?>
 <ds:datastoreItem xmlns:ds="http://schemas.openxmlformats.org/officeDocument/2006/customXml" ds:itemID="{4977DC43-A29B-46F8-92E7-ECBC78C89266}">
   <ds:schemaRefs>
     <ds:schemaRef ds:uri="http://schemas.microsoft.com/office/2006/metadata/properties"/>
@@ -4729,4 +4715,12 @@
     <ds:schemaRef ds:uri="542b8847-f5d4-4c9f-bd30-657d16e5db1d"/>
   </ds:schemaRefs>
 </ds:datastoreItem>
+</file>
+
+<file path=customXml/itemProps3.xml><?xml version="1.0" encoding="utf-8"?>
+<ds:datastoreItem xmlns:ds="http://schemas.openxmlformats.org/officeDocument/2006/customXml" ds:itemID="{B4289391-3766-46F2-BA66-C692E9086156}">
+  <ds:schemaRefs>
+    <ds:schemaRef ds:uri="http://schemas.microsoft.com/sharepoint/v3/contenttype/forms"/>
+  </ds:schemaRefs>
+</ds:datastoreItem>
 </file>
--- a/Documents/How to talk to SUMO through python API.pptx
+++ b/Documents/How to talk to SUMO through python API.pptx
@@ -7,12 +7,16 @@
   <p:sldIdLst>
     <p:sldId id="256" r:id="rId5"/>
     <p:sldId id="257" r:id="rId6"/>
-    <p:sldId id="259" r:id="rId7"/>
-    <p:sldId id="258" r:id="rId8"/>
-    <p:sldId id="260" r:id="rId9"/>
-    <p:sldId id="261" r:id="rId10"/>
-    <p:sldId id="262" r:id="rId11"/>
-    <p:sldId id="263" r:id="rId12"/>
+    <p:sldId id="258" r:id="rId7"/>
+    <p:sldId id="260" r:id="rId8"/>
+    <p:sldId id="261" r:id="rId9"/>
+    <p:sldId id="262" r:id="rId10"/>
+    <p:sldId id="263" r:id="rId11"/>
+    <p:sldId id="266" r:id="rId12"/>
+    <p:sldId id="265" r:id="rId13"/>
+    <p:sldId id="267" r:id="rId14"/>
+    <p:sldId id="264" r:id="rId15"/>
+    <p:sldId id="259" r:id="rId16"/>
   </p:sldIdLst>
   <p:sldSz cx="12192000" cy="6858000"/>
   <p:notesSz cx="6858000" cy="9144000"/>
@@ -112,6 +116,30 @@
     </a:lvl9pPr>
   </p:defaultTextStyle>
   <p:extLst>
+    <p:ext uri="{521415D9-36F7-43E2-AB2F-B90AF26B5E84}">
+      <p14:sectionLst xmlns:p14="http://schemas.microsoft.com/office/powerpoint/2010/main">
+        <p14:section name="Default Section" id="{64F76703-F4D7-4839-AFAE-09CE4BD3D62C}">
+          <p14:sldIdLst>
+            <p14:sldId id="256"/>
+            <p14:sldId id="257"/>
+          </p14:sldIdLst>
+        </p14:section>
+        <p14:section name="Untitled Section" id="{632DCCDA-06CB-43F5-8907-C5A872A3DA94}">
+          <p14:sldIdLst>
+            <p14:sldId id="258"/>
+            <p14:sldId id="260"/>
+            <p14:sldId id="261"/>
+            <p14:sldId id="262"/>
+            <p14:sldId id="263"/>
+            <p14:sldId id="266"/>
+            <p14:sldId id="265"/>
+            <p14:sldId id="267"/>
+            <p14:sldId id="264"/>
+            <p14:sldId id="259"/>
+          </p14:sldIdLst>
+        </p14:section>
+      </p14:sectionLst>
+    </p:ext>
     <p:ext uri="{EFAFB233-063F-42B5-8137-9DF3F51BA10A}">
       <p15:sldGuideLst xmlns:p15="http://schemas.microsoft.com/office/powerpoint/2012/main"/>
     </p:ext>
@@ -122,350 +150,12 @@
 <file path=ppt/revisionInfo.xml><?xml version="1.0" encoding="utf-8"?>
 <p1510:revInfo xmlns:a="http://schemas.openxmlformats.org/drawingml/2006/main" xmlns:r="http://schemas.openxmlformats.org/officeDocument/2006/relationships" xmlns:p1510="http://schemas.microsoft.com/office/powerpoint/2015/10/main">
   <p1510:revLst>
+    <p1510:client id="{5407D47C-281E-45BA-B6CD-984886A73B16}" v="346" dt="2022-06-20T21:02:06.262"/>
     <p1510:client id="{7F64D240-3E79-4187-AF05-D5003B7B6E5F}" v="2" dt="2022-06-17T17:28:40.278"/>
     <p1510:client id="{F1C4FAFD-8A63-469D-B3E7-3EFAA20C9B0D}" v="503" dt="2022-06-16T19:39:08.225"/>
     <p1510:client id="{F7B29F24-D405-4075-A775-AAD9F01D4005}" v="69" dt="2022-06-16T19:47:11.120"/>
   </p1510:revLst>
 </p1510:revInfo>
-</file>
-
-<file path=ppt/changesInfos/changesInfo1.xml><?xml version="1.0" encoding="utf-8"?>
-<pc:chgInfo xmlns:a="http://schemas.openxmlformats.org/drawingml/2006/main" xmlns:r="http://schemas.openxmlformats.org/officeDocument/2006/relationships" xmlns:ac="http://schemas.microsoft.com/office/drawing/2013/main/command" xmlns:pc="http://schemas.microsoft.com/office/powerpoint/2013/main/command">
-  <pc:docChgLst>
-    <pc:chgData name="Bai, Wushuang" userId="08313185-81e5-4dc5-a3b5-3eb13206e8d2" providerId="ADAL" clId="{7F64D240-3E79-4187-AF05-D5003B7B6E5F}"/>
-    <pc:docChg chg="modSld">
-      <pc:chgData name="Bai, Wushuang" userId="08313185-81e5-4dc5-a3b5-3eb13206e8d2" providerId="ADAL" clId="{7F64D240-3E79-4187-AF05-D5003B7B6E5F}" dt="2022-06-17T17:28:47.688" v="7" actId="403"/>
-      <pc:docMkLst>
-        <pc:docMk/>
-      </pc:docMkLst>
-      <pc:sldChg chg="modSp mod">
-        <pc:chgData name="Bai, Wushuang" userId="08313185-81e5-4dc5-a3b5-3eb13206e8d2" providerId="ADAL" clId="{7F64D240-3E79-4187-AF05-D5003B7B6E5F}" dt="2022-06-17T17:28:47.688" v="7" actId="403"/>
-        <pc:sldMkLst>
-          <pc:docMk/>
-          <pc:sldMk cId="1775876560" sldId="259"/>
-        </pc:sldMkLst>
-        <pc:spChg chg="mod">
-          <ac:chgData name="Bai, Wushuang" userId="08313185-81e5-4dc5-a3b5-3eb13206e8d2" providerId="ADAL" clId="{7F64D240-3E79-4187-AF05-D5003B7B6E5F}" dt="2022-06-17T17:28:47.688" v="7" actId="403"/>
-          <ac:spMkLst>
-            <pc:docMk/>
-            <pc:sldMk cId="1775876560" sldId="259"/>
-            <ac:spMk id="4" creationId="{C6FD8A9A-5818-0530-AB51-CF3DC093702F}"/>
-          </ac:spMkLst>
-        </pc:spChg>
-      </pc:sldChg>
-    </pc:docChg>
-  </pc:docChgLst>
-  <pc:docChgLst>
-    <pc:chgData name="Bai, Wushuang" userId="S::wxb41@psu.edu::08313185-81e5-4dc5-a3b5-3eb13206e8d2" providerId="AD" clId="Web-{F1C4FAFD-8A63-469D-B3E7-3EFAA20C9B0D}"/>
-    <pc:docChg chg="addSld delSld modSld sldOrd">
-      <pc:chgData name="Bai, Wushuang" userId="S::wxb41@psu.edu::08313185-81e5-4dc5-a3b5-3eb13206e8d2" providerId="AD" clId="Web-{F1C4FAFD-8A63-469D-B3E7-3EFAA20C9B0D}" dt="2022-06-16T19:39:08.225" v="456"/>
-      <pc:docMkLst>
-        <pc:docMk/>
-      </pc:docMkLst>
-      <pc:sldChg chg="modSp">
-        <pc:chgData name="Bai, Wushuang" userId="S::wxb41@psu.edu::08313185-81e5-4dc5-a3b5-3eb13206e8d2" providerId="AD" clId="Web-{F1C4FAFD-8A63-469D-B3E7-3EFAA20C9B0D}" dt="2022-06-16T19:08:45.689" v="10" actId="20577"/>
-        <pc:sldMkLst>
-          <pc:docMk/>
-          <pc:sldMk cId="109857222" sldId="256"/>
-        </pc:sldMkLst>
-        <pc:spChg chg="mod">
-          <ac:chgData name="Bai, Wushuang" userId="S::wxb41@psu.edu::08313185-81e5-4dc5-a3b5-3eb13206e8d2" providerId="AD" clId="Web-{F1C4FAFD-8A63-469D-B3E7-3EFAA20C9B0D}" dt="2022-06-16T19:08:37.830" v="1" actId="20577"/>
-          <ac:spMkLst>
-            <pc:docMk/>
-            <pc:sldMk cId="109857222" sldId="256"/>
-            <ac:spMk id="2" creationId="{00000000-0000-0000-0000-000000000000}"/>
-          </ac:spMkLst>
-        </pc:spChg>
-        <pc:spChg chg="mod">
-          <ac:chgData name="Bai, Wushuang" userId="S::wxb41@psu.edu::08313185-81e5-4dc5-a3b5-3eb13206e8d2" providerId="AD" clId="Web-{F1C4FAFD-8A63-469D-B3E7-3EFAA20C9B0D}" dt="2022-06-16T19:08:45.689" v="10" actId="20577"/>
-          <ac:spMkLst>
-            <pc:docMk/>
-            <pc:sldMk cId="109857222" sldId="256"/>
-            <ac:spMk id="3" creationId="{00000000-0000-0000-0000-000000000000}"/>
-          </ac:spMkLst>
-        </pc:spChg>
-      </pc:sldChg>
-      <pc:sldChg chg="delSp modSp new">
-        <pc:chgData name="Bai, Wushuang" userId="S::wxb41@psu.edu::08313185-81e5-4dc5-a3b5-3eb13206e8d2" providerId="AD" clId="Web-{F1C4FAFD-8A63-469D-B3E7-3EFAA20C9B0D}" dt="2022-06-16T19:10:46.287" v="50"/>
-        <pc:sldMkLst>
-          <pc:docMk/>
-          <pc:sldMk cId="3415711798" sldId="257"/>
-        </pc:sldMkLst>
-        <pc:spChg chg="mod">
-          <ac:chgData name="Bai, Wushuang" userId="S::wxb41@psu.edu::08313185-81e5-4dc5-a3b5-3eb13206e8d2" providerId="AD" clId="Web-{F1C4FAFD-8A63-469D-B3E7-3EFAA20C9B0D}" dt="2022-06-16T19:10:42.880" v="49" actId="20577"/>
-          <ac:spMkLst>
-            <pc:docMk/>
-            <pc:sldMk cId="3415711798" sldId="257"/>
-            <ac:spMk id="2" creationId="{59A5FFA5-8360-E838-CC78-86E371EACFB1}"/>
-          </ac:spMkLst>
-        </pc:spChg>
-        <pc:spChg chg="del">
-          <ac:chgData name="Bai, Wushuang" userId="S::wxb41@psu.edu::08313185-81e5-4dc5-a3b5-3eb13206e8d2" providerId="AD" clId="Web-{F1C4FAFD-8A63-469D-B3E7-3EFAA20C9B0D}" dt="2022-06-16T19:10:46.287" v="50"/>
-          <ac:spMkLst>
-            <pc:docMk/>
-            <pc:sldMk cId="3415711798" sldId="257"/>
-            <ac:spMk id="3" creationId="{7DEDD5D5-730C-19CA-42D7-146711BED799}"/>
-          </ac:spMkLst>
-        </pc:spChg>
-      </pc:sldChg>
-      <pc:sldChg chg="addSp delSp modSp new ord">
-        <pc:chgData name="Bai, Wushuang" userId="S::wxb41@psu.edu::08313185-81e5-4dc5-a3b5-3eb13206e8d2" providerId="AD" clId="Web-{F1C4FAFD-8A63-469D-B3E7-3EFAA20C9B0D}" dt="2022-06-16T19:30:40.507" v="234" actId="1076"/>
-        <pc:sldMkLst>
-          <pc:docMk/>
-          <pc:sldMk cId="3805829095" sldId="258"/>
-        </pc:sldMkLst>
-        <pc:spChg chg="mod">
-          <ac:chgData name="Bai, Wushuang" userId="S::wxb41@psu.edu::08313185-81e5-4dc5-a3b5-3eb13206e8d2" providerId="AD" clId="Web-{F1C4FAFD-8A63-469D-B3E7-3EFAA20C9B0D}" dt="2022-06-16T19:30:23.897" v="227" actId="20577"/>
-          <ac:spMkLst>
-            <pc:docMk/>
-            <pc:sldMk cId="3805829095" sldId="258"/>
-            <ac:spMk id="2" creationId="{221CFB98-A2C5-C13B-A41E-DDE49B5E8750}"/>
-          </ac:spMkLst>
-        </pc:spChg>
-        <pc:spChg chg="del">
-          <ac:chgData name="Bai, Wushuang" userId="S::wxb41@psu.edu::08313185-81e5-4dc5-a3b5-3eb13206e8d2" providerId="AD" clId="Web-{F1C4FAFD-8A63-469D-B3E7-3EFAA20C9B0D}" dt="2022-06-16T19:29:37.161" v="214"/>
-          <ac:spMkLst>
-            <pc:docMk/>
-            <pc:sldMk cId="3805829095" sldId="258"/>
-            <ac:spMk id="3" creationId="{3BC2CB3A-62C2-FF56-5894-921B0F119654}"/>
-          </ac:spMkLst>
-        </pc:spChg>
-        <pc:picChg chg="add mod modCrop">
-          <ac:chgData name="Bai, Wushuang" userId="S::wxb41@psu.edu::08313185-81e5-4dc5-a3b5-3eb13206e8d2" providerId="AD" clId="Web-{F1C4FAFD-8A63-469D-B3E7-3EFAA20C9B0D}" dt="2022-06-16T19:30:40.507" v="234" actId="1076"/>
-          <ac:picMkLst>
-            <pc:docMk/>
-            <pc:sldMk cId="3805829095" sldId="258"/>
-            <ac:picMk id="4" creationId="{5CF4A047-4BCE-DA9F-7DC7-E906A6788C99}"/>
-          </ac:picMkLst>
-        </pc:picChg>
-      </pc:sldChg>
-      <pc:sldChg chg="addSp delSp modSp new">
-        <pc:chgData name="Bai, Wushuang" userId="S::wxb41@psu.edu::08313185-81e5-4dc5-a3b5-3eb13206e8d2" providerId="AD" clId="Web-{F1C4FAFD-8A63-469D-B3E7-3EFAA20C9B0D}" dt="2022-06-16T19:29:20.661" v="212" actId="1076"/>
-        <pc:sldMkLst>
-          <pc:docMk/>
-          <pc:sldMk cId="1775876560" sldId="259"/>
-        </pc:sldMkLst>
-        <pc:spChg chg="mod">
-          <ac:chgData name="Bai, Wushuang" userId="S::wxb41@psu.edu::08313185-81e5-4dc5-a3b5-3eb13206e8d2" providerId="AD" clId="Web-{F1C4FAFD-8A63-469D-B3E7-3EFAA20C9B0D}" dt="2022-06-16T19:26:51.704" v="149" actId="1076"/>
-          <ac:spMkLst>
-            <pc:docMk/>
-            <pc:sldMk cId="1775876560" sldId="259"/>
-            <ac:spMk id="2" creationId="{EBDB1CC4-1D1C-8EC3-D8DD-83200FE1A8B7}"/>
-          </ac:spMkLst>
-        </pc:spChg>
-        <pc:spChg chg="del">
-          <ac:chgData name="Bai, Wushuang" userId="S::wxb41@psu.edu::08313185-81e5-4dc5-a3b5-3eb13206e8d2" providerId="AD" clId="Web-{F1C4FAFD-8A63-469D-B3E7-3EFAA20C9B0D}" dt="2022-06-16T19:19:27.629" v="145"/>
-          <ac:spMkLst>
-            <pc:docMk/>
-            <pc:sldMk cId="1775876560" sldId="259"/>
-            <ac:spMk id="3" creationId="{CF005AEC-7F7C-C9B5-08E4-8873899BE77C}"/>
-          </ac:spMkLst>
-        </pc:spChg>
-        <pc:spChg chg="add mod">
-          <ac:chgData name="Bai, Wushuang" userId="S::wxb41@psu.edu::08313185-81e5-4dc5-a3b5-3eb13206e8d2" providerId="AD" clId="Web-{F1C4FAFD-8A63-469D-B3E7-3EFAA20C9B0D}" dt="2022-06-16T19:29:20.661" v="212" actId="1076"/>
-          <ac:spMkLst>
-            <pc:docMk/>
-            <pc:sldMk cId="1775876560" sldId="259"/>
-            <ac:spMk id="4" creationId="{C6FD8A9A-5818-0530-AB51-CF3DC093702F}"/>
-          </ac:spMkLst>
-        </pc:spChg>
-      </pc:sldChg>
-      <pc:sldChg chg="new del">
-        <pc:chgData name="Bai, Wushuang" userId="S::wxb41@psu.edu::08313185-81e5-4dc5-a3b5-3eb13206e8d2" providerId="AD" clId="Web-{F1C4FAFD-8A63-469D-B3E7-3EFAA20C9B0D}" dt="2022-06-16T19:18:34.659" v="103"/>
-        <pc:sldMkLst>
-          <pc:docMk/>
-          <pc:sldMk cId="2229684500" sldId="259"/>
-        </pc:sldMkLst>
-      </pc:sldChg>
-      <pc:sldChg chg="addSp delSp modSp new">
-        <pc:chgData name="Bai, Wushuang" userId="S::wxb41@psu.edu::08313185-81e5-4dc5-a3b5-3eb13206e8d2" providerId="AD" clId="Web-{F1C4FAFD-8A63-469D-B3E7-3EFAA20C9B0D}" dt="2022-06-16T19:31:39.899" v="267" actId="1076"/>
-        <pc:sldMkLst>
-          <pc:docMk/>
-          <pc:sldMk cId="3425742573" sldId="260"/>
-        </pc:sldMkLst>
-        <pc:spChg chg="mod">
-          <ac:chgData name="Bai, Wushuang" userId="S::wxb41@psu.edu::08313185-81e5-4dc5-a3b5-3eb13206e8d2" providerId="AD" clId="Web-{F1C4FAFD-8A63-469D-B3E7-3EFAA20C9B0D}" dt="2022-06-16T19:31:38.727" v="266" actId="1076"/>
-          <ac:spMkLst>
-            <pc:docMk/>
-            <pc:sldMk cId="3425742573" sldId="260"/>
-            <ac:spMk id="2" creationId="{448EE28E-627B-F64C-F7E9-6AAE6AEE1885}"/>
-          </ac:spMkLst>
-        </pc:spChg>
-        <pc:spChg chg="del">
-          <ac:chgData name="Bai, Wushuang" userId="S::wxb41@psu.edu::08313185-81e5-4dc5-a3b5-3eb13206e8d2" providerId="AD" clId="Web-{F1C4FAFD-8A63-469D-B3E7-3EFAA20C9B0D}" dt="2022-06-16T19:31:30.493" v="262"/>
-          <ac:spMkLst>
-            <pc:docMk/>
-            <pc:sldMk cId="3425742573" sldId="260"/>
-            <ac:spMk id="3" creationId="{5AAC2CBA-20CA-680D-836D-ACB609E7DB23}"/>
-          </ac:spMkLst>
-        </pc:spChg>
-        <pc:picChg chg="add mod">
-          <ac:chgData name="Bai, Wushuang" userId="S::wxb41@psu.edu::08313185-81e5-4dc5-a3b5-3eb13206e8d2" providerId="AD" clId="Web-{F1C4FAFD-8A63-469D-B3E7-3EFAA20C9B0D}" dt="2022-06-16T19:31:39.899" v="267" actId="1076"/>
-          <ac:picMkLst>
-            <pc:docMk/>
-            <pc:sldMk cId="3425742573" sldId="260"/>
-            <ac:picMk id="4" creationId="{A1ACE05A-39BB-9DE2-C3C6-F0132AFBEFB6}"/>
-          </ac:picMkLst>
-        </pc:picChg>
-      </pc:sldChg>
-      <pc:sldChg chg="addSp delSp modSp new">
-        <pc:chgData name="Bai, Wushuang" userId="S::wxb41@psu.edu::08313185-81e5-4dc5-a3b5-3eb13206e8d2" providerId="AD" clId="Web-{F1C4FAFD-8A63-469D-B3E7-3EFAA20C9B0D}" dt="2022-06-16T19:34:28.951" v="348"/>
-        <pc:sldMkLst>
-          <pc:docMk/>
-          <pc:sldMk cId="1704569861" sldId="261"/>
-        </pc:sldMkLst>
-        <pc:spChg chg="mod">
-          <ac:chgData name="Bai, Wushuang" userId="S::wxb41@psu.edu::08313185-81e5-4dc5-a3b5-3eb13206e8d2" providerId="AD" clId="Web-{F1C4FAFD-8A63-469D-B3E7-3EFAA20C9B0D}" dt="2022-06-16T19:33:30.402" v="332" actId="1076"/>
-          <ac:spMkLst>
-            <pc:docMk/>
-            <pc:sldMk cId="1704569861" sldId="261"/>
-            <ac:spMk id="2" creationId="{A55C0216-C55C-F9AD-95BA-87F65DEB0B9E}"/>
-          </ac:spMkLst>
-        </pc:spChg>
-        <pc:spChg chg="del">
-          <ac:chgData name="Bai, Wushuang" userId="S::wxb41@psu.edu::08313185-81e5-4dc5-a3b5-3eb13206e8d2" providerId="AD" clId="Web-{F1C4FAFD-8A63-469D-B3E7-3EFAA20C9B0D}" dt="2022-06-16T19:33:04.480" v="329"/>
-          <ac:spMkLst>
-            <pc:docMk/>
-            <pc:sldMk cId="1704569861" sldId="261"/>
-            <ac:spMk id="3" creationId="{74192EEC-D436-47BF-FBD2-DAD3A55A0677}"/>
-          </ac:spMkLst>
-        </pc:spChg>
-        <pc:spChg chg="add mod">
-          <ac:chgData name="Bai, Wushuang" userId="S::wxb41@psu.edu::08313185-81e5-4dc5-a3b5-3eb13206e8d2" providerId="AD" clId="Web-{F1C4FAFD-8A63-469D-B3E7-3EFAA20C9B0D}" dt="2022-06-16T19:34:28.951" v="348"/>
-          <ac:spMkLst>
-            <pc:docMk/>
-            <pc:sldMk cId="1704569861" sldId="261"/>
-            <ac:spMk id="6" creationId="{1A9083B5-8440-87EB-BD66-9A6E2C937BDC}"/>
-          </ac:spMkLst>
-        </pc:spChg>
-        <pc:picChg chg="add mod modCrop">
-          <ac:chgData name="Bai, Wushuang" userId="S::wxb41@psu.edu::08313185-81e5-4dc5-a3b5-3eb13206e8d2" providerId="AD" clId="Web-{F1C4FAFD-8A63-469D-B3E7-3EFAA20C9B0D}" dt="2022-06-16T19:33:59.231" v="339" actId="1076"/>
-          <ac:picMkLst>
-            <pc:docMk/>
-            <pc:sldMk cId="1704569861" sldId="261"/>
-            <ac:picMk id="5" creationId="{5C48FD88-1560-8053-5771-82AEDB440951}"/>
-          </ac:picMkLst>
-        </pc:picChg>
-      </pc:sldChg>
-      <pc:sldChg chg="addSp delSp modSp new">
-        <pc:chgData name="Bai, Wushuang" userId="S::wxb41@psu.edu::08313185-81e5-4dc5-a3b5-3eb13206e8d2" providerId="AD" clId="Web-{F1C4FAFD-8A63-469D-B3E7-3EFAA20C9B0D}" dt="2022-06-16T19:36:25.298" v="405" actId="1076"/>
-        <pc:sldMkLst>
-          <pc:docMk/>
-          <pc:sldMk cId="2349674361" sldId="262"/>
-        </pc:sldMkLst>
-        <pc:spChg chg="mod">
-          <ac:chgData name="Bai, Wushuang" userId="S::wxb41@psu.edu::08313185-81e5-4dc5-a3b5-3eb13206e8d2" providerId="AD" clId="Web-{F1C4FAFD-8A63-469D-B3E7-3EFAA20C9B0D}" dt="2022-06-16T19:36:12.438" v="400" actId="20577"/>
-          <ac:spMkLst>
-            <pc:docMk/>
-            <pc:sldMk cId="2349674361" sldId="262"/>
-            <ac:spMk id="2" creationId="{4F422CD3-3E8D-5D54-1ABE-4EC0426E127B}"/>
-          </ac:spMkLst>
-        </pc:spChg>
-        <pc:spChg chg="del">
-          <ac:chgData name="Bai, Wushuang" userId="S::wxb41@psu.edu::08313185-81e5-4dc5-a3b5-3eb13206e8d2" providerId="AD" clId="Web-{F1C4FAFD-8A63-469D-B3E7-3EFAA20C9B0D}" dt="2022-06-16T19:36:15.922" v="401"/>
-          <ac:spMkLst>
-            <pc:docMk/>
-            <pc:sldMk cId="2349674361" sldId="262"/>
-            <ac:spMk id="3" creationId="{E9692EBB-A824-18E4-E223-C3BC1B620C7D}"/>
-          </ac:spMkLst>
-        </pc:spChg>
-        <pc:picChg chg="add mod">
-          <ac:chgData name="Bai, Wushuang" userId="S::wxb41@psu.edu::08313185-81e5-4dc5-a3b5-3eb13206e8d2" providerId="AD" clId="Web-{F1C4FAFD-8A63-469D-B3E7-3EFAA20C9B0D}" dt="2022-06-16T19:36:25.298" v="405" actId="1076"/>
-          <ac:picMkLst>
-            <pc:docMk/>
-            <pc:sldMk cId="2349674361" sldId="262"/>
-            <ac:picMk id="4" creationId="{5D284FDE-530D-49BA-AB5E-C0DDE7447344}"/>
-          </ac:picMkLst>
-        </pc:picChg>
-      </pc:sldChg>
-      <pc:sldChg chg="delSp modSp new">
-        <pc:chgData name="Bai, Wushuang" userId="S::wxb41@psu.edu::08313185-81e5-4dc5-a3b5-3eb13206e8d2" providerId="AD" clId="Web-{F1C4FAFD-8A63-469D-B3E7-3EFAA20C9B0D}" dt="2022-06-16T19:39:08.225" v="456"/>
-        <pc:sldMkLst>
-          <pc:docMk/>
-          <pc:sldMk cId="2278036512" sldId="263"/>
-        </pc:sldMkLst>
-        <pc:spChg chg="mod">
-          <ac:chgData name="Bai, Wushuang" userId="S::wxb41@psu.edu::08313185-81e5-4dc5-a3b5-3eb13206e8d2" providerId="AD" clId="Web-{F1C4FAFD-8A63-469D-B3E7-3EFAA20C9B0D}" dt="2022-06-16T19:39:05.850" v="455" actId="20577"/>
-          <ac:spMkLst>
-            <pc:docMk/>
-            <pc:sldMk cId="2278036512" sldId="263"/>
-            <ac:spMk id="2" creationId="{80CFDED4-82DC-1E13-AF4B-C12790E84DA1}"/>
-          </ac:spMkLst>
-        </pc:spChg>
-        <pc:spChg chg="del">
-          <ac:chgData name="Bai, Wushuang" userId="S::wxb41@psu.edu::08313185-81e5-4dc5-a3b5-3eb13206e8d2" providerId="AD" clId="Web-{F1C4FAFD-8A63-469D-B3E7-3EFAA20C9B0D}" dt="2022-06-16T19:39:08.225" v="456"/>
-          <ac:spMkLst>
-            <pc:docMk/>
-            <pc:sldMk cId="2278036512" sldId="263"/>
-            <ac:spMk id="3" creationId="{44D01524-C233-9A97-2790-FA30ECF1EB97}"/>
-          </ac:spMkLst>
-        </pc:spChg>
-      </pc:sldChg>
-      <pc:sldChg chg="new del">
-        <pc:chgData name="Bai, Wushuang" userId="S::wxb41@psu.edu::08313185-81e5-4dc5-a3b5-3eb13206e8d2" providerId="AD" clId="Web-{F1C4FAFD-8A63-469D-B3E7-3EFAA20C9B0D}" dt="2022-06-16T19:38:43.317" v="435"/>
-        <pc:sldMkLst>
-          <pc:docMk/>
-          <pc:sldMk cId="4039725797" sldId="264"/>
-        </pc:sldMkLst>
-      </pc:sldChg>
-    </pc:docChg>
-  </pc:docChgLst>
-  <pc:docChgLst>
-    <pc:chgData name="Bai, Wushuang" userId="S::wxb41@psu.edu::08313185-81e5-4dc5-a3b5-3eb13206e8d2" providerId="AD" clId="Web-{F7B29F24-D405-4075-A775-AAD9F01D4005}"/>
-    <pc:docChg chg="modSld">
-      <pc:chgData name="Bai, Wushuang" userId="S::wxb41@psu.edu::08313185-81e5-4dc5-a3b5-3eb13206e8d2" providerId="AD" clId="Web-{F7B29F24-D405-4075-A775-AAD9F01D4005}" dt="2022-06-16T19:47:11.120" v="36" actId="20577"/>
-      <pc:docMkLst>
-        <pc:docMk/>
-      </pc:docMkLst>
-      <pc:sldChg chg="addSp delSp modSp">
-        <pc:chgData name="Bai, Wushuang" userId="S::wxb41@psu.edu::08313185-81e5-4dc5-a3b5-3eb13206e8d2" providerId="AD" clId="Web-{F7B29F24-D405-4075-A775-AAD9F01D4005}" dt="2022-06-16T19:46:54.463" v="35" actId="20577"/>
-        <pc:sldMkLst>
-          <pc:docMk/>
-          <pc:sldMk cId="1775876560" sldId="259"/>
-        </pc:sldMkLst>
-        <pc:spChg chg="mod">
-          <ac:chgData name="Bai, Wushuang" userId="S::wxb41@psu.edu::08313185-81e5-4dc5-a3b5-3eb13206e8d2" providerId="AD" clId="Web-{F7B29F24-D405-4075-A775-AAD9F01D4005}" dt="2022-06-16T19:46:54.463" v="35" actId="20577"/>
-          <ac:spMkLst>
-            <pc:docMk/>
-            <pc:sldMk cId="1775876560" sldId="259"/>
-            <ac:spMk id="2" creationId="{EBDB1CC4-1D1C-8EC3-D8DD-83200FE1A8B7}"/>
-          </ac:spMkLst>
-        </pc:spChg>
-        <pc:spChg chg="add del">
-          <ac:chgData name="Bai, Wushuang" userId="S::wxb41@psu.edu::08313185-81e5-4dc5-a3b5-3eb13206e8d2" providerId="AD" clId="Web-{F7B29F24-D405-4075-A775-AAD9F01D4005}" dt="2022-06-16T19:45:48.977" v="1"/>
-          <ac:spMkLst>
-            <pc:docMk/>
-            <pc:sldMk cId="1775876560" sldId="259"/>
-            <ac:spMk id="3" creationId="{F631D5E1-5AF1-BAEB-1ECE-9F1BFEF0619F}"/>
-          </ac:spMkLst>
-        </pc:spChg>
-        <pc:spChg chg="mod">
-          <ac:chgData name="Bai, Wushuang" userId="S::wxb41@psu.edu::08313185-81e5-4dc5-a3b5-3eb13206e8d2" providerId="AD" clId="Web-{F7B29F24-D405-4075-A775-AAD9F01D4005}" dt="2022-06-16T19:46:32.416" v="34" actId="20577"/>
-          <ac:spMkLst>
-            <pc:docMk/>
-            <pc:sldMk cId="1775876560" sldId="259"/>
-            <ac:spMk id="4" creationId="{C6FD8A9A-5818-0530-AB51-CF3DC093702F}"/>
-          </ac:spMkLst>
-        </pc:spChg>
-      </pc:sldChg>
-      <pc:sldChg chg="modSp">
-        <pc:chgData name="Bai, Wushuang" userId="S::wxb41@psu.edu::08313185-81e5-4dc5-a3b5-3eb13206e8d2" providerId="AD" clId="Web-{F7B29F24-D405-4075-A775-AAD9F01D4005}" dt="2022-06-16T19:47:11.120" v="36" actId="20577"/>
-        <pc:sldMkLst>
-          <pc:docMk/>
-          <pc:sldMk cId="2278036512" sldId="263"/>
-        </pc:sldMkLst>
-        <pc:spChg chg="mod">
-          <ac:chgData name="Bai, Wushuang" userId="S::wxb41@psu.edu::08313185-81e5-4dc5-a3b5-3eb13206e8d2" providerId="AD" clId="Web-{F7B29F24-D405-4075-A775-AAD9F01D4005}" dt="2022-06-16T19:47:11.120" v="36" actId="20577"/>
-          <ac:spMkLst>
-            <pc:docMk/>
-            <pc:sldMk cId="2278036512" sldId="263"/>
-            <ac:spMk id="2" creationId="{80CFDED4-82DC-1E13-AF4B-C12790E84DA1}"/>
-          </ac:spMkLst>
-        </pc:spChg>
-      </pc:sldChg>
-    </pc:docChg>
-  </pc:docChgLst>
-</pc:chgInfo>
 </file>
 
 <file path=ppt/slideLayouts/slideLayout1.xml><?xml version="1.0" encoding="utf-8"?>
@@ -599,7 +289,7 @@
           <a:p>
             <a:fld id="{846CE7D5-CF57-46EF-B807-FDD0502418D4}" type="datetimeFigureOut">
               <a:rPr lang="en-US" smtClean="0"/>
-              <a:t>6/17/2022</a:t>
+              <a:t>6/20/2022</a:t>
             </a:fld>
             <a:endParaRPr lang="en-US"/>
           </a:p>
@@ -769,7 +459,7 @@
           <a:p>
             <a:fld id="{846CE7D5-CF57-46EF-B807-FDD0502418D4}" type="datetimeFigureOut">
               <a:rPr lang="en-US" smtClean="0"/>
-              <a:t>6/17/2022</a:t>
+              <a:t>6/20/2022</a:t>
             </a:fld>
             <a:endParaRPr lang="en-US"/>
           </a:p>
@@ -949,7 +639,7 @@
           <a:p>
             <a:fld id="{846CE7D5-CF57-46EF-B807-FDD0502418D4}" type="datetimeFigureOut">
               <a:rPr lang="en-US" smtClean="0"/>
-              <a:t>6/17/2022</a:t>
+              <a:t>6/20/2022</a:t>
             </a:fld>
             <a:endParaRPr lang="en-US"/>
           </a:p>
@@ -1119,7 +809,7 @@
           <a:p>
             <a:fld id="{846CE7D5-CF57-46EF-B807-FDD0502418D4}" type="datetimeFigureOut">
               <a:rPr lang="en-US" smtClean="0"/>
-              <a:t>6/17/2022</a:t>
+              <a:t>6/20/2022</a:t>
             </a:fld>
             <a:endParaRPr lang="en-US"/>
           </a:p>
@@ -1365,7 +1055,7 @@
           <a:p>
             <a:fld id="{846CE7D5-CF57-46EF-B807-FDD0502418D4}" type="datetimeFigureOut">
               <a:rPr lang="en-US" smtClean="0"/>
-              <a:t>6/17/2022</a:t>
+              <a:t>6/20/2022</a:t>
             </a:fld>
             <a:endParaRPr lang="en-US"/>
           </a:p>
@@ -1597,7 +1287,7 @@
           <a:p>
             <a:fld id="{846CE7D5-CF57-46EF-B807-FDD0502418D4}" type="datetimeFigureOut">
               <a:rPr lang="en-US" smtClean="0"/>
-              <a:t>6/17/2022</a:t>
+              <a:t>6/20/2022</a:t>
             </a:fld>
             <a:endParaRPr lang="en-US"/>
           </a:p>
@@ -1964,7 +1654,7 @@
           <a:p>
             <a:fld id="{846CE7D5-CF57-46EF-B807-FDD0502418D4}" type="datetimeFigureOut">
               <a:rPr lang="en-US" smtClean="0"/>
-              <a:t>6/17/2022</a:t>
+              <a:t>6/20/2022</a:t>
             </a:fld>
             <a:endParaRPr lang="en-US"/>
           </a:p>
@@ -2082,7 +1772,7 @@
           <a:p>
             <a:fld id="{846CE7D5-CF57-46EF-B807-FDD0502418D4}" type="datetimeFigureOut">
               <a:rPr lang="en-US" smtClean="0"/>
-              <a:t>6/17/2022</a:t>
+              <a:t>6/20/2022</a:t>
             </a:fld>
             <a:endParaRPr lang="en-US"/>
           </a:p>
@@ -2177,7 +1867,7 @@
           <a:p>
             <a:fld id="{846CE7D5-CF57-46EF-B807-FDD0502418D4}" type="datetimeFigureOut">
               <a:rPr lang="en-US" smtClean="0"/>
-              <a:t>6/17/2022</a:t>
+              <a:t>6/20/2022</a:t>
             </a:fld>
             <a:endParaRPr lang="en-US"/>
           </a:p>
@@ -2454,7 +2144,7 @@
           <a:p>
             <a:fld id="{846CE7D5-CF57-46EF-B807-FDD0502418D4}" type="datetimeFigureOut">
               <a:rPr lang="en-US" smtClean="0"/>
-              <a:t>6/17/2022</a:t>
+              <a:t>6/20/2022</a:t>
             </a:fld>
             <a:endParaRPr lang="en-US"/>
           </a:p>
@@ -2711,7 +2401,7 @@
           <a:p>
             <a:fld id="{846CE7D5-CF57-46EF-B807-FDD0502418D4}" type="datetimeFigureOut">
               <a:rPr lang="en-US" smtClean="0"/>
-              <a:t>6/17/2022</a:t>
+              <a:t>6/20/2022</a:t>
             </a:fld>
             <a:endParaRPr lang="en-US"/>
           </a:p>
@@ -2924,7 +2614,7 @@
           <a:p>
             <a:fld id="{846CE7D5-CF57-46EF-B807-FDD0502418D4}" type="datetimeFigureOut">
               <a:rPr lang="en-US" smtClean="0"/>
-              <a:t>6/17/2022</a:t>
+              <a:t>6/20/2022</a:t>
             </a:fld>
             <a:endParaRPr lang="en-US"/>
           </a:p>
@@ -3390,7 +3080,7 @@
               <a:rPr lang="en-US" dirty="0">
                 <a:cs typeface="Calibri"/>
               </a:rPr>
-              <a:t>2022 06 16</a:t>
+              <a:t>2022 06 20</a:t>
             </a:r>
           </a:p>
         </p:txBody>
@@ -3399,6 +3089,402 @@
     <p:extLst>
       <p:ext uri="{BB962C8B-B14F-4D97-AF65-F5344CB8AC3E}">
         <p14:creationId xmlns:p14="http://schemas.microsoft.com/office/powerpoint/2010/main" val="109857222"/>
+      </p:ext>
+    </p:extLst>
+  </p:cSld>
+  <p:clrMapOvr>
+    <a:masterClrMapping/>
+  </p:clrMapOvr>
+</p:sld>
+</file>
+
+<file path=ppt/slides/slide10.xml><?xml version="1.0" encoding="utf-8"?>
+<p:sld xmlns:a="http://schemas.openxmlformats.org/drawingml/2006/main" xmlns:r="http://schemas.openxmlformats.org/officeDocument/2006/relationships" xmlns:p="http://schemas.openxmlformats.org/presentationml/2006/main">
+  <p:cSld>
+    <p:spTree>
+      <p:nvGrpSpPr>
+        <p:cNvPr id="1" name=""/>
+        <p:cNvGrpSpPr/>
+        <p:nvPr/>
+      </p:nvGrpSpPr>
+      <p:grpSpPr>
+        <a:xfrm>
+          <a:off x="0" y="0"/>
+          <a:ext cx="0" cy="0"/>
+          <a:chOff x="0" y="0"/>
+          <a:chExt cx="0" cy="0"/>
+        </a:xfrm>
+      </p:grpSpPr>
+      <p:sp>
+        <p:nvSpPr>
+          <p:cNvPr id="2" name="Title 1">
+            <a:extLst>
+              <a:ext uri="{FF2B5EF4-FFF2-40B4-BE49-F238E27FC236}">
+                <a16:creationId xmlns:a16="http://schemas.microsoft.com/office/drawing/2014/main" id="{3982848C-65E2-B2BA-76E8-8E9CC1C3B3B0}"/>
+              </a:ext>
+            </a:extLst>
+          </p:cNvPr>
+          <p:cNvSpPr>
+            <a:spLocks noGrp="1"/>
+          </p:cNvSpPr>
+          <p:nvPr>
+            <p:ph type="title"/>
+          </p:nvPr>
+        </p:nvSpPr>
+        <p:spPr>
+          <a:xfrm>
+            <a:off x="298142" y="379921"/>
+            <a:ext cx="10515600" cy="1325563"/>
+          </a:xfrm>
+        </p:spPr>
+        <p:txBody>
+          <a:bodyPr>
+            <a:noAutofit/>
+          </a:bodyPr>
+          <a:lstStyle/>
+          <a:p>
+            <a:r>
+              <a:rPr lang="en-US" sz="3600" dirty="0">
+                <a:cs typeface="Calibri Light"/>
+              </a:rPr>
+              <a:t>Step 4. Once simulation runs, the vehicle data reads out live. This example script reads out simulation time, </a:t>
+            </a:r>
+            <a:r>
+              <a:rPr lang="en-US" sz="3600" dirty="0" err="1">
+                <a:cs typeface="Calibri Light"/>
+              </a:rPr>
+              <a:t>vehicleID</a:t>
+            </a:r>
+            <a:r>
+              <a:rPr lang="en-US" sz="3600" dirty="0">
+                <a:cs typeface="Calibri Light"/>
+              </a:rPr>
+              <a:t>, vehicle position. Users can customize it as needed. </a:t>
+            </a:r>
+            <a:endParaRPr lang="en-US" sz="3600" dirty="0"/>
+          </a:p>
+        </p:txBody>
+      </p:sp>
+      <p:pic>
+        <p:nvPicPr>
+          <p:cNvPr id="4" name="Picture 4" descr="Text&#10;&#10;Description automatically generated">
+            <a:extLst>
+              <a:ext uri="{FF2B5EF4-FFF2-40B4-BE49-F238E27FC236}">
+                <a16:creationId xmlns:a16="http://schemas.microsoft.com/office/drawing/2014/main" id="{F216BE78-2E81-5BBC-3625-E4C70304F968}"/>
+              </a:ext>
+            </a:extLst>
+          </p:cNvPr>
+          <p:cNvPicPr>
+            <a:picLocks noChangeAspect="1"/>
+          </p:cNvPicPr>
+          <p:nvPr/>
+        </p:nvPicPr>
+        <p:blipFill>
+          <a:blip r:embed="rId2"/>
+          <a:stretch>
+            <a:fillRect/>
+          </a:stretch>
+        </p:blipFill>
+        <p:spPr>
+          <a:xfrm>
+            <a:off x="1906473" y="2167991"/>
+            <a:ext cx="7744287" cy="4394060"/>
+          </a:xfrm>
+          <a:prstGeom prst="rect">
+            <a:avLst/>
+          </a:prstGeom>
+        </p:spPr>
+      </p:pic>
+    </p:spTree>
+    <p:extLst>
+      <p:ext uri="{BB962C8B-B14F-4D97-AF65-F5344CB8AC3E}">
+        <p14:creationId xmlns:p14="http://schemas.microsoft.com/office/powerpoint/2010/main" val="4225918128"/>
+      </p:ext>
+    </p:extLst>
+  </p:cSld>
+  <p:clrMapOvr>
+    <a:masterClrMapping/>
+  </p:clrMapOvr>
+</p:sld>
+</file>
+
+<file path=ppt/slides/slide11.xml><?xml version="1.0" encoding="utf-8"?>
+<p:sld xmlns:a="http://schemas.openxmlformats.org/drawingml/2006/main" xmlns:r="http://schemas.openxmlformats.org/officeDocument/2006/relationships" xmlns:p="http://schemas.openxmlformats.org/presentationml/2006/main">
+  <p:cSld>
+    <p:spTree>
+      <p:nvGrpSpPr>
+        <p:cNvPr id="1" name=""/>
+        <p:cNvGrpSpPr/>
+        <p:nvPr/>
+      </p:nvGrpSpPr>
+      <p:grpSpPr>
+        <a:xfrm>
+          <a:off x="0" y="0"/>
+          <a:ext cx="0" cy="0"/>
+          <a:chOff x="0" y="0"/>
+          <a:chExt cx="0" cy="0"/>
+        </a:xfrm>
+      </p:grpSpPr>
+      <p:sp>
+        <p:nvSpPr>
+          <p:cNvPr id="2" name="Title 1">
+            <a:extLst>
+              <a:ext uri="{FF2B5EF4-FFF2-40B4-BE49-F238E27FC236}">
+                <a16:creationId xmlns:a16="http://schemas.microsoft.com/office/drawing/2014/main" id="{4F422CD3-3E8D-5D54-1ABE-4EC0426E127B}"/>
+              </a:ext>
+            </a:extLst>
+          </p:cNvPr>
+          <p:cNvSpPr>
+            <a:spLocks noGrp="1"/>
+          </p:cNvSpPr>
+          <p:nvPr>
+            <p:ph type="title"/>
+          </p:nvPr>
+        </p:nvSpPr>
+        <p:spPr>
+          <a:xfrm>
+            <a:off x="664411" y="351756"/>
+            <a:ext cx="10515600" cy="1125037"/>
+          </a:xfrm>
+        </p:spPr>
+        <p:txBody>
+          <a:bodyPr>
+            <a:normAutofit fontScale="90000"/>
+          </a:bodyPr>
+          <a:lstStyle/>
+          <a:p>
+            <a:r>
+              <a:rPr lang="en-US" dirty="0">
+                <a:cs typeface="Calibri Light"/>
+              </a:rPr>
+              <a:t>Step 5. Once the simulation ends as controlled by the script, window pops up indicating simulation ends.  </a:t>
+            </a:r>
+            <a:endParaRPr lang="en-US" dirty="0"/>
+          </a:p>
+        </p:txBody>
+      </p:sp>
+      <p:pic>
+        <p:nvPicPr>
+          <p:cNvPr id="3" name="Picture 4" descr="Graphical user interface, text, application&#10;&#10;Description automatically generated">
+            <a:extLst>
+              <a:ext uri="{FF2B5EF4-FFF2-40B4-BE49-F238E27FC236}">
+                <a16:creationId xmlns:a16="http://schemas.microsoft.com/office/drawing/2014/main" id="{FF9EA89E-0A99-ABF7-29BA-C9D8E0319B20}"/>
+              </a:ext>
+            </a:extLst>
+          </p:cNvPr>
+          <p:cNvPicPr>
+            <a:picLocks noChangeAspect="1"/>
+          </p:cNvPicPr>
+          <p:nvPr/>
+        </p:nvPicPr>
+        <p:blipFill>
+          <a:blip r:embed="rId2"/>
+          <a:stretch>
+            <a:fillRect/>
+          </a:stretch>
+        </p:blipFill>
+        <p:spPr>
+          <a:xfrm>
+            <a:off x="3348361" y="2817835"/>
+            <a:ext cx="3638365" cy="1503456"/>
+          </a:xfrm>
+          <a:prstGeom prst="rect">
+            <a:avLst/>
+          </a:prstGeom>
+        </p:spPr>
+      </p:pic>
+    </p:spTree>
+    <p:extLst>
+      <p:ext uri="{BB962C8B-B14F-4D97-AF65-F5344CB8AC3E}">
+        <p14:creationId xmlns:p14="http://schemas.microsoft.com/office/powerpoint/2010/main" val="3559957083"/>
+      </p:ext>
+    </p:extLst>
+  </p:cSld>
+  <p:clrMapOvr>
+    <a:masterClrMapping/>
+  </p:clrMapOvr>
+</p:sld>
+</file>
+
+<file path=ppt/slides/slide12.xml><?xml version="1.0" encoding="utf-8"?>
+<p:sld xmlns:a="http://schemas.openxmlformats.org/drawingml/2006/main" xmlns:r="http://schemas.openxmlformats.org/officeDocument/2006/relationships" xmlns:p="http://schemas.openxmlformats.org/presentationml/2006/main">
+  <p:cSld>
+    <p:spTree>
+      <p:nvGrpSpPr>
+        <p:cNvPr id="1" name=""/>
+        <p:cNvGrpSpPr/>
+        <p:nvPr/>
+      </p:nvGrpSpPr>
+      <p:grpSpPr>
+        <a:xfrm>
+          <a:off x="0" y="0"/>
+          <a:ext cx="0" cy="0"/>
+          <a:chOff x="0" y="0"/>
+          <a:chExt cx="0" cy="0"/>
+        </a:xfrm>
+      </p:grpSpPr>
+      <p:sp>
+        <p:nvSpPr>
+          <p:cNvPr id="2" name="Title 1">
+            <a:extLst>
+              <a:ext uri="{FF2B5EF4-FFF2-40B4-BE49-F238E27FC236}">
+                <a16:creationId xmlns:a16="http://schemas.microsoft.com/office/drawing/2014/main" id="{EBDB1CC4-1D1C-8EC3-D8DD-83200FE1A8B7}"/>
+              </a:ext>
+            </a:extLst>
+          </p:cNvPr>
+          <p:cNvSpPr>
+            <a:spLocks noGrp="1"/>
+          </p:cNvSpPr>
+          <p:nvPr>
+            <p:ph type="title"/>
+          </p:nvPr>
+        </p:nvSpPr>
+        <p:spPr>
+          <a:xfrm>
+            <a:off x="323516" y="191336"/>
+            <a:ext cx="10515600" cy="1325563"/>
+          </a:xfrm>
+        </p:spPr>
+        <p:txBody>
+          <a:bodyPr>
+            <a:normAutofit/>
+          </a:bodyPr>
+          <a:lstStyle/>
+          <a:p>
+            <a:r>
+              <a:rPr lang="en-US" dirty="0">
+                <a:cs typeface="Calibri Light"/>
+              </a:rPr>
+              <a:t>Please download the simulation files and script used in this tutorial using the links:</a:t>
+            </a:r>
+            <a:endParaRPr lang="en-US" dirty="0"/>
+          </a:p>
+        </p:txBody>
+      </p:sp>
+      <p:sp>
+        <p:nvSpPr>
+          <p:cNvPr id="4" name="TextBox 3">
+            <a:extLst>
+              <a:ext uri="{FF2B5EF4-FFF2-40B4-BE49-F238E27FC236}">
+                <a16:creationId xmlns:a16="http://schemas.microsoft.com/office/drawing/2014/main" id="{C6FD8A9A-5818-0530-AB51-CF3DC093702F}"/>
+              </a:ext>
+            </a:extLst>
+          </p:cNvPr>
+          <p:cNvSpPr txBox="1"/>
+          <p:nvPr/>
+        </p:nvSpPr>
+        <p:spPr>
+          <a:xfrm>
+            <a:off x="747295" y="2057400"/>
+            <a:ext cx="9600547" cy="1415772"/>
+          </a:xfrm>
+          <a:prstGeom prst="rect">
+            <a:avLst/>
+          </a:prstGeom>
+          <a:noFill/>
+        </p:spPr>
+        <p:txBody>
+          <a:bodyPr rot="0" spcFirstLastPara="0" vertOverflow="overflow" horzOverflow="overflow" vert="horz" wrap="square" lIns="91440" tIns="45720" rIns="91440" bIns="45720" numCol="1" spcCol="0" rtlCol="0" fromWordArt="0" anchor="t" anchorCtr="0" forceAA="0" compatLnSpc="1">
+            <a:prstTxWarp prst="textNoShape">
+              <a:avLst/>
+            </a:prstTxWarp>
+            <a:spAutoFit/>
+          </a:bodyPr>
+          <a:lstStyle/>
+          <a:p>
+            <a:pPr marL="285750" indent="-285750">
+              <a:buFont typeface="Arial"/>
+              <a:buChar char="•"/>
+            </a:pPr>
+            <a:r>
+              <a:rPr lang="en-US" dirty="0">
+                <a:cs typeface="Calibri"/>
+              </a:rPr>
+              <a:t>Simulation files can be found here: </a:t>
+            </a:r>
+            <a:r>
+              <a:rPr lang="en-US" sz="1600" dirty="0">
+                <a:ea typeface="+mn-lt"/>
+                <a:cs typeface="+mn-lt"/>
+              </a:rPr>
+              <a:t>https://github.com/ivsg-psu/TrafficSimulators_GettingStartedWithDifferrentSimulators_GettingStartedWithSUMO/tree/main/Data</a:t>
+            </a:r>
+            <a:endParaRPr lang="en-US" sz="1200" dirty="0">
+              <a:cs typeface="Calibri"/>
+            </a:endParaRPr>
+          </a:p>
+          <a:p>
+            <a:pPr marL="285750" indent="-285750">
+              <a:buFont typeface="Arial"/>
+              <a:buChar char="•"/>
+            </a:pPr>
+            <a:r>
+              <a:rPr lang="en-US" dirty="0">
+                <a:cs typeface="Calibri"/>
+              </a:rPr>
+              <a:t>Script can be found </a:t>
+            </a:r>
+            <a:r>
+              <a:rPr lang="en-US" dirty="0" err="1">
+                <a:cs typeface="Calibri"/>
+              </a:rPr>
+              <a:t>here:</a:t>
+            </a:r>
+            <a:r>
+              <a:rPr lang="en-US" sz="1600" dirty="0" err="1">
+                <a:ea typeface="+mn-lt"/>
+                <a:cs typeface="+mn-lt"/>
+              </a:rPr>
+              <a:t>https</a:t>
+            </a:r>
+            <a:r>
+              <a:rPr lang="en-US" sz="1600" dirty="0">
+                <a:ea typeface="+mn-lt"/>
+                <a:cs typeface="+mn-lt"/>
+              </a:rPr>
+              <a:t>://github.com/</a:t>
+            </a:r>
+            <a:r>
+              <a:rPr lang="en-US" sz="1600" dirty="0" err="1">
+                <a:ea typeface="+mn-lt"/>
+                <a:cs typeface="+mn-lt"/>
+              </a:rPr>
+              <a:t>ivsg-psu</a:t>
+            </a:r>
+            <a:r>
+              <a:rPr lang="en-US" sz="1600" dirty="0">
+                <a:ea typeface="+mn-lt"/>
+                <a:cs typeface="+mn-lt"/>
+              </a:rPr>
+              <a:t>/TrafficSimulators_GettingStartedWithDifferrentSimulators_GettingStartedWithSUMO/tree/main/Code</a:t>
+            </a:r>
+          </a:p>
+          <a:p>
+            <a:pPr marL="285750" indent="-285750">
+              <a:buFont typeface="Arial"/>
+              <a:buChar char="•"/>
+            </a:pPr>
+            <a:r>
+              <a:rPr lang="en-US" dirty="0">
+                <a:ea typeface="+mn-lt"/>
+                <a:cs typeface="+mn-lt"/>
+              </a:rPr>
+              <a:t>For more information, please see </a:t>
+            </a:r>
+            <a:r>
+              <a:rPr lang="en-US" sz="1400" dirty="0">
+                <a:ea typeface="+mn-lt"/>
+                <a:cs typeface="+mn-lt"/>
+              </a:rPr>
+              <a:t>https://sumo.dlr.de/docs/TraCI.html#examples</a:t>
+            </a:r>
+          </a:p>
+        </p:txBody>
+      </p:sp>
+    </p:spTree>
+    <p:extLst>
+      <p:ext uri="{BB962C8B-B14F-4D97-AF65-F5344CB8AC3E}">
+        <p14:creationId xmlns:p14="http://schemas.microsoft.com/office/powerpoint/2010/main" val="1775876560"/>
       </p:ext>
     </p:extLst>
   </p:cSld>
@@ -3493,7 +3579,7 @@
           <p:cNvPr id="2" name="Title 1">
             <a:extLst>
               <a:ext uri="{FF2B5EF4-FFF2-40B4-BE49-F238E27FC236}">
-                <a16:creationId xmlns:a16="http://schemas.microsoft.com/office/drawing/2014/main" id="{EBDB1CC4-1D1C-8EC3-D8DD-83200FE1A8B7}"/>
+                <a16:creationId xmlns:a16="http://schemas.microsoft.com/office/drawing/2014/main" id="{221CFB98-A2C5-C13B-A41E-DDE49B5E8750}"/>
               </a:ext>
             </a:extLst>
           </p:cNvPr>
@@ -3506,116 +3592,77 @@
         </p:nvSpPr>
         <p:spPr>
           <a:xfrm>
-            <a:off x="323516" y="191336"/>
-            <a:ext cx="10515600" cy="1325563"/>
+            <a:off x="282145" y="262152"/>
+            <a:ext cx="11353113" cy="1325563"/>
           </a:xfrm>
         </p:spPr>
         <p:txBody>
           <a:bodyPr>
-            <a:normAutofit/>
+            <a:noAutofit/>
           </a:bodyPr>
           <a:lstStyle/>
           <a:p>
             <a:r>
-              <a:rPr lang="en-US" dirty="0">
+              <a:rPr lang="en-US" sz="3200" dirty="0">
                 <a:cs typeface="Calibri Light"/>
               </a:rPr>
-              <a:t>Please download the simulation files and script used in this tutorial using the links:</a:t>
-            </a:r>
-            <a:endParaRPr lang="en-US" dirty="0"/>
-          </a:p>
-        </p:txBody>
-      </p:sp>
-      <p:sp>
-        <p:nvSpPr>
-          <p:cNvPr id="4" name="TextBox 3">
+              <a:t>Example 1. Connect to SUMO using python API. </a:t>
+            </a:r>
+            <a:br>
+              <a:rPr lang="en-US" sz="3200" dirty="0">
+                <a:cs typeface="Calibri Light"/>
+              </a:rPr>
+            </a:br>
+            <a:r>
+              <a:rPr lang="en-US" sz="3200" dirty="0">
+                <a:cs typeface="Calibri Light"/>
+              </a:rPr>
+              <a:t>Step 1. Run the script </a:t>
+            </a:r>
+            <a:r>
+              <a:rPr lang="en-US" sz="3200" dirty="0">
+                <a:ea typeface="+mj-lt"/>
+                <a:cs typeface="+mj-lt"/>
+              </a:rPr>
+              <a:t>script_traciTest_ConnectToSUMO.py using command "python3 script_traciTest_ConnectToSUMO.py".</a:t>
+            </a:r>
+            <a:endParaRPr lang="en-US" sz="3200" dirty="0"/>
+          </a:p>
+        </p:txBody>
+      </p:sp>
+      <p:pic>
+        <p:nvPicPr>
+          <p:cNvPr id="3" name="Picture 4" descr="Text&#10;&#10;Description automatically generated">
             <a:extLst>
               <a:ext uri="{FF2B5EF4-FFF2-40B4-BE49-F238E27FC236}">
-                <a16:creationId xmlns:a16="http://schemas.microsoft.com/office/drawing/2014/main" id="{C6FD8A9A-5818-0530-AB51-CF3DC093702F}"/>
+                <a16:creationId xmlns:a16="http://schemas.microsoft.com/office/drawing/2014/main" id="{00935669-13C1-EC07-66D3-222D702B8D91}"/>
               </a:ext>
             </a:extLst>
           </p:cNvPr>
-          <p:cNvSpPr txBox="1"/>
+          <p:cNvPicPr>
+            <a:picLocks noChangeAspect="1"/>
+          </p:cNvPicPr>
           <p:nvPr/>
-        </p:nvSpPr>
+        </p:nvPicPr>
+        <p:blipFill rotWithShape="1">
+          <a:blip r:embed="rId2"/>
+          <a:srcRect b="77586"/>
+          <a:stretch/>
+        </p:blipFill>
         <p:spPr>
           <a:xfrm>
-            <a:off x="747295" y="2057400"/>
-            <a:ext cx="9600547" cy="1723549"/>
+            <a:off x="1414935" y="2434313"/>
+            <a:ext cx="8942772" cy="1325125"/>
           </a:xfrm>
           <a:prstGeom prst="rect">
             <a:avLst/>
           </a:prstGeom>
-          <a:noFill/>
         </p:spPr>
-        <p:txBody>
-          <a:bodyPr rot="0" spcFirstLastPara="0" vertOverflow="overflow" horzOverflow="overflow" vert="horz" wrap="square" lIns="91440" tIns="45720" rIns="91440" bIns="45720" numCol="1" spcCol="0" rtlCol="0" fromWordArt="0" anchor="t" anchorCtr="0" forceAA="0" compatLnSpc="1">
-            <a:prstTxWarp prst="textNoShape">
-              <a:avLst/>
-            </a:prstTxWarp>
-            <a:spAutoFit/>
-          </a:bodyPr>
-          <a:lstStyle/>
-          <a:p>
-            <a:pPr marL="285750" indent="-285750">
-              <a:buFont typeface="Arial"/>
-              <a:buChar char="•"/>
-            </a:pPr>
-            <a:r>
-              <a:rPr lang="en-US" dirty="0">
-                <a:cs typeface="Calibri"/>
-              </a:rPr>
-              <a:t>Simulation files can be found here: </a:t>
-            </a:r>
-            <a:r>
-              <a:rPr lang="en-US" sz="1600" dirty="0">
-                <a:ea typeface="+mn-lt"/>
-                <a:cs typeface="+mn-lt"/>
-              </a:rPr>
-              <a:t>https://github.com/ivsg-psu/TrafficSimulators_GettingStartedWithDifferrentSimulators_GettingStartedWithSUMO/tree/main/Data</a:t>
-            </a:r>
-            <a:endParaRPr lang="en-US" sz="1200" dirty="0">
-              <a:cs typeface="Calibri"/>
-            </a:endParaRPr>
-          </a:p>
-          <a:p>
-            <a:pPr marL="285750" indent="-285750">
-              <a:buFont typeface="Arial"/>
-              <a:buChar char="•"/>
-            </a:pPr>
-            <a:r>
-              <a:rPr lang="en-US" dirty="0">
-                <a:cs typeface="Calibri"/>
-              </a:rPr>
-              <a:t>Script can be found here: https://github.com/ivsg-psu/TrafficSimulators_GettingStartedWithDifferrentSimulators_GettingStartedWithSUMO/tree/main/Code</a:t>
-            </a:r>
-          </a:p>
-          <a:p>
-            <a:pPr marL="285750" indent="-285750">
-              <a:buFont typeface="Arial"/>
-              <a:buChar char="•"/>
-            </a:pPr>
-            <a:r>
-              <a:rPr lang="en-US" dirty="0">
-                <a:ea typeface="+mn-lt"/>
-                <a:cs typeface="+mn-lt"/>
-              </a:rPr>
-              <a:t>For more information, please see </a:t>
-            </a:r>
-            <a:r>
-              <a:rPr lang="en-US" sz="1400" dirty="0">
-                <a:ea typeface="+mn-lt"/>
-                <a:cs typeface="+mn-lt"/>
-              </a:rPr>
-              <a:t>https://sumo.dlr.de/docs/TraCI.html#examples</a:t>
-            </a:r>
-          </a:p>
-        </p:txBody>
-      </p:sp>
+      </p:pic>
     </p:spTree>
     <p:extLst>
       <p:ext uri="{BB962C8B-B14F-4D97-AF65-F5344CB8AC3E}">
-        <p14:creationId xmlns:p14="http://schemas.microsoft.com/office/powerpoint/2010/main" val="1775876560"/>
+        <p14:creationId xmlns:p14="http://schemas.microsoft.com/office/powerpoint/2010/main" val="3805829095"/>
       </p:ext>
     </p:extLst>
   </p:cSld>
@@ -3647,105 +3694,6 @@
           <p:cNvPr id="2" name="Title 1">
             <a:extLst>
               <a:ext uri="{FF2B5EF4-FFF2-40B4-BE49-F238E27FC236}">
-                <a16:creationId xmlns:a16="http://schemas.microsoft.com/office/drawing/2014/main" id="{221CFB98-A2C5-C13B-A41E-DDE49B5E8750}"/>
-              </a:ext>
-            </a:extLst>
-          </p:cNvPr>
-          <p:cNvSpPr>
-            <a:spLocks noGrp="1"/>
-          </p:cNvSpPr>
-          <p:nvPr>
-            <p:ph type="title"/>
-          </p:nvPr>
-        </p:nvSpPr>
-        <p:spPr/>
-        <p:txBody>
-          <a:bodyPr>
-            <a:normAutofit/>
-          </a:bodyPr>
-          <a:lstStyle/>
-          <a:p>
-            <a:r>
-              <a:rPr lang="en-US" dirty="0">
-                <a:cs typeface="Calibri Light"/>
-              </a:rPr>
-              <a:t>Step 1. Run the script </a:t>
-            </a:r>
-            <a:r>
-              <a:rPr lang="en-US" dirty="0">
-                <a:ea typeface="+mj-lt"/>
-                <a:cs typeface="+mj-lt"/>
-              </a:rPr>
-              <a:t>script_traciTest.py using command "python3 script_traciTest.py".</a:t>
-            </a:r>
-            <a:endParaRPr lang="en-US" dirty="0"/>
-          </a:p>
-        </p:txBody>
-      </p:sp>
-      <p:pic>
-        <p:nvPicPr>
-          <p:cNvPr id="4" name="Picture 4" descr="Text&#10;&#10;Description automatically generated">
-            <a:extLst>
-              <a:ext uri="{FF2B5EF4-FFF2-40B4-BE49-F238E27FC236}">
-                <a16:creationId xmlns:a16="http://schemas.microsoft.com/office/drawing/2014/main" id="{5CF4A047-4BCE-DA9F-7DC7-E906A6788C99}"/>
-              </a:ext>
-            </a:extLst>
-          </p:cNvPr>
-          <p:cNvPicPr>
-            <a:picLocks noChangeAspect="1"/>
-          </p:cNvPicPr>
-          <p:nvPr/>
-        </p:nvPicPr>
-        <p:blipFill rotWithShape="1">
-          <a:blip r:embed="rId2"/>
-          <a:srcRect r="-293" b="69559"/>
-          <a:stretch/>
-        </p:blipFill>
-        <p:spPr>
-          <a:xfrm>
-            <a:off x="1903663" y="2811197"/>
-            <a:ext cx="6867347" cy="1383337"/>
-          </a:xfrm>
-          <a:prstGeom prst="rect">
-            <a:avLst/>
-          </a:prstGeom>
-        </p:spPr>
-      </p:pic>
-    </p:spTree>
-    <p:extLst>
-      <p:ext uri="{BB962C8B-B14F-4D97-AF65-F5344CB8AC3E}">
-        <p14:creationId xmlns:p14="http://schemas.microsoft.com/office/powerpoint/2010/main" val="3805829095"/>
-      </p:ext>
-    </p:extLst>
-  </p:cSld>
-  <p:clrMapOvr>
-    <a:masterClrMapping/>
-  </p:clrMapOvr>
-</p:sld>
-</file>
-
-<file path=ppt/slides/slide5.xml><?xml version="1.0" encoding="utf-8"?>
-<p:sld xmlns:a="http://schemas.openxmlformats.org/drawingml/2006/main" xmlns:r="http://schemas.openxmlformats.org/officeDocument/2006/relationships" xmlns:p="http://schemas.openxmlformats.org/presentationml/2006/main">
-  <p:cSld>
-    <p:spTree>
-      <p:nvGrpSpPr>
-        <p:cNvPr id="1" name=""/>
-        <p:cNvGrpSpPr/>
-        <p:nvPr/>
-      </p:nvGrpSpPr>
-      <p:grpSpPr>
-        <a:xfrm>
-          <a:off x="0" y="0"/>
-          <a:ext cx="0" cy="0"/>
-          <a:chOff x="0" y="0"/>
-          <a:chExt cx="0" cy="0"/>
-        </a:xfrm>
-      </p:grpSpPr>
-      <p:sp>
-        <p:nvSpPr>
-          <p:cNvPr id="2" name="Title 1">
-            <a:extLst>
-              <a:ext uri="{FF2B5EF4-FFF2-40B4-BE49-F238E27FC236}">
                 <a16:creationId xmlns:a16="http://schemas.microsoft.com/office/drawing/2014/main" id="{448EE28E-627B-F64C-F7E9-6AAE6AEE1885}"/>
               </a:ext>
             </a:extLst>
@@ -3771,19 +3719,7 @@
               <a:rPr lang="en-US" dirty="0">
                 <a:cs typeface="Calibri Light"/>
               </a:rPr>
-              <a:t>Step 2. SUMO </a:t>
-            </a:r>
-            <a:r>
-              <a:rPr lang="en-US" dirty="0" err="1">
-                <a:cs typeface="Calibri Light"/>
-              </a:rPr>
-              <a:t>gui</a:t>
-            </a:r>
-            <a:r>
-              <a:rPr lang="en-US" dirty="0">
-                <a:cs typeface="Calibri Light"/>
-              </a:rPr>
-              <a:t> pops up.</a:t>
+              <a:t>Step 2. SUMO GUI pops up.</a:t>
             </a:r>
             <a:endParaRPr lang="en-US" dirty="0"/>
           </a:p>
@@ -3832,7 +3768,7 @@
 </p:sld>
 </file>
 
-<file path=ppt/slides/slide6.xml><?xml version="1.0" encoding="utf-8"?>
+<file path=ppt/slides/slide5.xml><?xml version="1.0" encoding="utf-8"?>
 <p:sld xmlns:a="http://schemas.openxmlformats.org/drawingml/2006/main" xmlns:r="http://schemas.openxmlformats.org/officeDocument/2006/relationships" xmlns:p="http://schemas.openxmlformats.org/presentationml/2006/main">
   <p:cSld>
     <p:spTree>
@@ -3867,30 +3803,46 @@
         </p:nvSpPr>
         <p:spPr>
           <a:xfrm>
-            <a:off x="370305" y="71020"/>
+            <a:off x="356575" y="318155"/>
             <a:ext cx="10515600" cy="1325563"/>
           </a:xfrm>
         </p:spPr>
         <p:txBody>
-          <a:bodyPr/>
+          <a:bodyPr>
+            <a:normAutofit fontScale="90000"/>
+          </a:bodyPr>
           <a:lstStyle/>
           <a:p>
             <a:r>
               <a:rPr lang="en-US" dirty="0">
-                <a:cs typeface="Calibri Light"/>
+                <a:ea typeface="+mj-lt"/>
+                <a:cs typeface="+mj-lt"/>
               </a:rPr>
-              <a:t>Step 3. Click on play button to start the simulation. </a:t>
-            </a:r>
-            <a:endParaRPr lang="en-US"/>
+              <a:t>Step 3. Click on play button to start the simulation. You can add some delay to visualize the simulation process better, for example, 100 </a:t>
+            </a:r>
+            <a:r>
+              <a:rPr lang="en-US" dirty="0" err="1">
+                <a:ea typeface="+mj-lt"/>
+                <a:cs typeface="+mj-lt"/>
+              </a:rPr>
+              <a:t>ms.</a:t>
+            </a:r>
+            <a:r>
+              <a:rPr lang="en-US" dirty="0">
+                <a:ea typeface="+mj-lt"/>
+                <a:cs typeface="+mj-lt"/>
+              </a:rPr>
+              <a:t> </a:t>
+            </a:r>
           </a:p>
         </p:txBody>
       </p:sp>
       <p:pic>
         <p:nvPicPr>
-          <p:cNvPr id="5" name="Picture 4">
+          <p:cNvPr id="3" name="Picture 3" descr="Graphical user interface, text, application&#10;&#10;Description automatically generated">
             <a:extLst>
               <a:ext uri="{FF2B5EF4-FFF2-40B4-BE49-F238E27FC236}">
-                <a16:creationId xmlns:a16="http://schemas.microsoft.com/office/drawing/2014/main" id="{5C48FD88-1560-8053-5771-82AEDB440951}"/>
+                <a16:creationId xmlns:a16="http://schemas.microsoft.com/office/drawing/2014/main" id="{AAE1C6F6-7C43-0D71-C61B-8836BB252F25}"/>
               </a:ext>
             </a:extLst>
           </p:cNvPr>
@@ -3899,15 +3851,16 @@
           </p:cNvPicPr>
           <p:nvPr/>
         </p:nvPicPr>
-        <p:blipFill rotWithShape="1">
+        <p:blipFill>
           <a:blip r:embed="rId2"/>
-          <a:srcRect r="92" b="89799"/>
-          <a:stretch/>
+          <a:stretch>
+            <a:fillRect/>
+          </a:stretch>
         </p:blipFill>
         <p:spPr>
           <a:xfrm>
-            <a:off x="306136" y="2464558"/>
-            <a:ext cx="10249576" cy="714922"/>
+            <a:off x="504707" y="3094553"/>
+            <a:ext cx="11244968" cy="756738"/>
           </a:xfrm>
           <a:prstGeom prst="rect">
             <a:avLst/>
@@ -3916,10 +3869,10 @@
       </p:pic>
       <p:sp>
         <p:nvSpPr>
-          <p:cNvPr id="6" name="Rectangle 5">
+          <p:cNvPr id="4" name="Rectangle 3">
             <a:extLst>
               <a:ext uri="{FF2B5EF4-FFF2-40B4-BE49-F238E27FC236}">
-                <a16:creationId xmlns:a16="http://schemas.microsoft.com/office/drawing/2014/main" id="{1A9083B5-8440-87EB-BD66-9A6E2C937BDC}"/>
+                <a16:creationId xmlns:a16="http://schemas.microsoft.com/office/drawing/2014/main" id="{1EAC1173-AF1D-6C28-028D-2B6AF611E27E}"/>
               </a:ext>
             </a:extLst>
           </p:cNvPr>
@@ -3928,8 +3881,8 @@
         </p:nvSpPr>
         <p:spPr>
           <a:xfrm>
-            <a:off x="839537" y="2724485"/>
-            <a:ext cx="274052" cy="294104"/>
+            <a:off x="1094259" y="3369960"/>
+            <a:ext cx="274595" cy="247136"/>
           </a:xfrm>
           <a:prstGeom prst="rect">
             <a:avLst/>
@@ -3966,6 +3919,58 @@
           </a:p>
         </p:txBody>
       </p:sp>
+      <p:sp>
+        <p:nvSpPr>
+          <p:cNvPr id="7" name="Rectangle 6">
+            <a:extLst>
+              <a:ext uri="{FF2B5EF4-FFF2-40B4-BE49-F238E27FC236}">
+                <a16:creationId xmlns:a16="http://schemas.microsoft.com/office/drawing/2014/main" id="{CD84980D-4E56-7A73-5C0C-7C1E06109CCA}"/>
+              </a:ext>
+            </a:extLst>
+          </p:cNvPr>
+          <p:cNvSpPr/>
+          <p:nvPr/>
+        </p:nvSpPr>
+        <p:spPr>
+          <a:xfrm>
+            <a:off x="3455772" y="3349365"/>
+            <a:ext cx="617838" cy="267730"/>
+          </a:xfrm>
+          <a:prstGeom prst="rect">
+            <a:avLst/>
+          </a:prstGeom>
+          <a:noFill/>
+          <a:ln w="28575">
+            <a:solidFill>
+              <a:srgbClr val="FF0000"/>
+            </a:solidFill>
+          </a:ln>
+        </p:spPr>
+        <p:style>
+          <a:lnRef idx="2">
+            <a:schemeClr val="accent1">
+              <a:shade val="50000"/>
+            </a:schemeClr>
+          </a:lnRef>
+          <a:fillRef idx="1">
+            <a:schemeClr val="accent1"/>
+          </a:fillRef>
+          <a:effectRef idx="0">
+            <a:schemeClr val="accent1"/>
+          </a:effectRef>
+          <a:fontRef idx="minor">
+            <a:schemeClr val="lt1"/>
+          </a:fontRef>
+        </p:style>
+        <p:txBody>
+          <a:bodyPr rtlCol="0" anchor="ctr"/>
+          <a:lstStyle/>
+          <a:p>
+            <a:pPr algn="ctr"/>
+            <a:endParaRPr lang="en-US"/>
+          </a:p>
+        </p:txBody>
+      </p:sp>
     </p:spTree>
     <p:extLst>
       <p:ext uri="{BB962C8B-B14F-4D97-AF65-F5344CB8AC3E}">
@@ -3979,7 +3984,7 @@
 </p:sld>
 </file>
 
-<file path=ppt/slides/slide7.xml><?xml version="1.0" encoding="utf-8"?>
+<file path=ppt/slides/slide6.xml><?xml version="1.0" encoding="utf-8"?>
 <p:sld xmlns:a="http://schemas.openxmlformats.org/drawingml/2006/main" xmlns:r="http://schemas.openxmlformats.org/officeDocument/2006/relationships" xmlns:p="http://schemas.openxmlformats.org/presentationml/2006/main">
   <p:cSld>
     <p:spTree>
@@ -4077,6 +4082,90 @@
 </p:sld>
 </file>
 
+<file path=ppt/slides/slide7.xml><?xml version="1.0" encoding="utf-8"?>
+<p:sld xmlns:a="http://schemas.openxmlformats.org/drawingml/2006/main" xmlns:r="http://schemas.openxmlformats.org/officeDocument/2006/relationships" xmlns:p="http://schemas.openxmlformats.org/presentationml/2006/main">
+  <p:cSld>
+    <p:spTree>
+      <p:nvGrpSpPr>
+        <p:cNvPr id="1" name=""/>
+        <p:cNvGrpSpPr/>
+        <p:nvPr/>
+      </p:nvGrpSpPr>
+      <p:grpSpPr>
+        <a:xfrm>
+          <a:off x="0" y="0"/>
+          <a:ext cx="0" cy="0"/>
+          <a:chOff x="0" y="0"/>
+          <a:chExt cx="0" cy="0"/>
+        </a:xfrm>
+      </p:grpSpPr>
+      <p:sp>
+        <p:nvSpPr>
+          <p:cNvPr id="2" name="Title 1">
+            <a:extLst>
+              <a:ext uri="{FF2B5EF4-FFF2-40B4-BE49-F238E27FC236}">
+                <a16:creationId xmlns:a16="http://schemas.microsoft.com/office/drawing/2014/main" id="{80CFDED4-82DC-1E13-AF4B-C12790E84DA1}"/>
+              </a:ext>
+            </a:extLst>
+          </p:cNvPr>
+          <p:cNvSpPr>
+            <a:spLocks noGrp="1"/>
+          </p:cNvSpPr>
+          <p:nvPr>
+            <p:ph type="title"/>
+          </p:nvPr>
+        </p:nvSpPr>
+        <p:spPr>
+          <a:xfrm>
+            <a:off x="245356" y="653316"/>
+            <a:ext cx="10515600" cy="1325563"/>
+          </a:xfrm>
+        </p:spPr>
+        <p:txBody>
+          <a:bodyPr>
+            <a:noAutofit/>
+          </a:bodyPr>
+          <a:lstStyle/>
+          <a:p>
+            <a:r>
+              <a:rPr lang="en-US" sz="3200" dirty="0">
+                <a:cs typeface="Calibri Light"/>
+              </a:rPr>
+              <a:t>Example 2. Read out vehicle data live during simulation using python API.</a:t>
+            </a:r>
+            <a:br>
+              <a:rPr lang="en-US" sz="3200" dirty="0">
+                <a:cs typeface="Calibri Light"/>
+              </a:rPr>
+            </a:br>
+            <a:r>
+              <a:rPr lang="en-US" sz="3200" dirty="0">
+                <a:ea typeface="+mj-lt"/>
+                <a:cs typeface="+mj-lt"/>
+              </a:rPr>
+              <a:t>Step 1. Run the script script_traciTest.py using command "python3 script_traciTest_ConnectToSUMO.py".</a:t>
+            </a:r>
+          </a:p>
+          <a:p>
+            <a:endParaRPr lang="en-US" sz="3200" dirty="0">
+              <a:cs typeface="Calibri Light"/>
+            </a:endParaRPr>
+          </a:p>
+        </p:txBody>
+      </p:sp>
+    </p:spTree>
+    <p:extLst>
+      <p:ext uri="{BB962C8B-B14F-4D97-AF65-F5344CB8AC3E}">
+        <p14:creationId xmlns:p14="http://schemas.microsoft.com/office/powerpoint/2010/main" val="2278036512"/>
+      </p:ext>
+    </p:extLst>
+  </p:cSld>
+  <p:clrMapOvr>
+    <a:masterClrMapping/>
+  </p:clrMapOvr>
+</p:sld>
+</file>
+
 <file path=ppt/slides/slide8.xml><?xml version="1.0" encoding="utf-8"?>
 <p:sld xmlns:a="http://schemas.openxmlformats.org/drawingml/2006/main" xmlns:r="http://schemas.openxmlformats.org/officeDocument/2006/relationships" xmlns:p="http://schemas.openxmlformats.org/presentationml/2006/main">
   <p:cSld>
@@ -4099,7 +4188,7 @@
           <p:cNvPr id="2" name="Title 1">
             <a:extLst>
               <a:ext uri="{FF2B5EF4-FFF2-40B4-BE49-F238E27FC236}">
-                <a16:creationId xmlns:a16="http://schemas.microsoft.com/office/drawing/2014/main" id="{80CFDED4-82DC-1E13-AF4B-C12790E84DA1}"/>
+                <a16:creationId xmlns:a16="http://schemas.microsoft.com/office/drawing/2014/main" id="{448EE28E-627B-F64C-F7E9-6AAE6AEE1885}"/>
               </a:ext>
             </a:extLst>
           </p:cNvPr>
@@ -4110,7 +4199,108 @@
             <p:ph type="title"/>
           </p:nvPr>
         </p:nvSpPr>
-        <p:spPr/>
+        <p:spPr>
+          <a:xfrm>
+            <a:off x="343568" y="57651"/>
+            <a:ext cx="10515600" cy="1325563"/>
+          </a:xfrm>
+        </p:spPr>
+        <p:txBody>
+          <a:bodyPr/>
+          <a:lstStyle/>
+          <a:p>
+            <a:r>
+              <a:rPr lang="en-US" dirty="0">
+                <a:cs typeface="Calibri Light"/>
+              </a:rPr>
+              <a:t>Step 2. SUMO GUI pops up.</a:t>
+            </a:r>
+            <a:endParaRPr lang="en-US" dirty="0"/>
+          </a:p>
+        </p:txBody>
+      </p:sp>
+      <p:pic>
+        <p:nvPicPr>
+          <p:cNvPr id="4" name="Picture 4">
+            <a:extLst>
+              <a:ext uri="{FF2B5EF4-FFF2-40B4-BE49-F238E27FC236}">
+                <a16:creationId xmlns:a16="http://schemas.microsoft.com/office/drawing/2014/main" id="{A1ACE05A-39BB-9DE2-C3C6-F0132AFBEFB6}"/>
+              </a:ext>
+            </a:extLst>
+          </p:cNvPr>
+          <p:cNvPicPr>
+            <a:picLocks noChangeAspect="1"/>
+          </p:cNvPicPr>
+          <p:nvPr/>
+        </p:nvPicPr>
+        <p:blipFill>
+          <a:blip r:embed="rId2"/>
+          <a:stretch>
+            <a:fillRect/>
+          </a:stretch>
+        </p:blipFill>
+        <p:spPr>
+          <a:xfrm>
+            <a:off x="1910347" y="1214611"/>
+            <a:ext cx="7288463" cy="4976882"/>
+          </a:xfrm>
+          <a:prstGeom prst="rect">
+            <a:avLst/>
+          </a:prstGeom>
+        </p:spPr>
+      </p:pic>
+    </p:spTree>
+    <p:extLst>
+      <p:ext uri="{BB962C8B-B14F-4D97-AF65-F5344CB8AC3E}">
+        <p14:creationId xmlns:p14="http://schemas.microsoft.com/office/powerpoint/2010/main" val="1605347077"/>
+      </p:ext>
+    </p:extLst>
+  </p:cSld>
+  <p:clrMapOvr>
+    <a:masterClrMapping/>
+  </p:clrMapOvr>
+</p:sld>
+</file>
+
+<file path=ppt/slides/slide9.xml><?xml version="1.0" encoding="utf-8"?>
+<p:sld xmlns:a="http://schemas.openxmlformats.org/drawingml/2006/main" xmlns:r="http://schemas.openxmlformats.org/officeDocument/2006/relationships" xmlns:p="http://schemas.openxmlformats.org/presentationml/2006/main">
+  <p:cSld>
+    <p:spTree>
+      <p:nvGrpSpPr>
+        <p:cNvPr id="1" name=""/>
+        <p:cNvGrpSpPr/>
+        <p:nvPr/>
+      </p:nvGrpSpPr>
+      <p:grpSpPr>
+        <a:xfrm>
+          <a:off x="0" y="0"/>
+          <a:ext cx="0" cy="0"/>
+          <a:chOff x="0" y="0"/>
+          <a:chExt cx="0" cy="0"/>
+        </a:xfrm>
+      </p:grpSpPr>
+      <p:sp>
+        <p:nvSpPr>
+          <p:cNvPr id="2" name="Title 1">
+            <a:extLst>
+              <a:ext uri="{FF2B5EF4-FFF2-40B4-BE49-F238E27FC236}">
+                <a16:creationId xmlns:a16="http://schemas.microsoft.com/office/drawing/2014/main" id="{A55C0216-C55C-F9AD-95BA-87F65DEB0B9E}"/>
+              </a:ext>
+            </a:extLst>
+          </p:cNvPr>
+          <p:cNvSpPr>
+            <a:spLocks noGrp="1"/>
+          </p:cNvSpPr>
+          <p:nvPr>
+            <p:ph type="title"/>
+          </p:nvPr>
+        </p:nvSpPr>
+        <p:spPr>
+          <a:xfrm>
+            <a:off x="308521" y="331885"/>
+            <a:ext cx="10515600" cy="1325563"/>
+          </a:xfrm>
+        </p:spPr>
         <p:txBody>
           <a:bodyPr>
             <a:normAutofit fontScale="90000"/>
@@ -4119,27 +4309,164 @@
           <a:p>
             <a:r>
               <a:rPr lang="en-US" dirty="0">
-                <a:solidFill>
-                  <a:srgbClr val="FF0000"/>
-                </a:solidFill>
                 <a:cs typeface="Calibri Light"/>
               </a:rPr>
-              <a:t>Placeholder for another example of reading out SUMO data live. This will be the foundation of integrating SUMO with ROS.</a:t>
+              <a:t>Step 3. Click on play button to start the simulation. You can add some delay to visualize the simulation process better, for example, 100 </a:t>
+            </a:r>
+            <a:r>
+              <a:rPr lang="en-US" dirty="0" err="1">
+                <a:cs typeface="Calibri Light"/>
+              </a:rPr>
+              <a:t>ms.</a:t>
             </a:r>
             <a:r>
               <a:rPr lang="en-US" dirty="0">
                 <a:cs typeface="Calibri Light"/>
               </a:rPr>
-              <a:t> </a:t>
+              <a:t> </a:t>
             </a:r>
             <a:endParaRPr lang="en-US" dirty="0"/>
+          </a:p>
+        </p:txBody>
+      </p:sp>
+      <p:pic>
+        <p:nvPicPr>
+          <p:cNvPr id="4" name="Picture 3" descr="Graphical user interface, text, application&#10;&#10;Description automatically generated">
+            <a:extLst>
+              <a:ext uri="{FF2B5EF4-FFF2-40B4-BE49-F238E27FC236}">
+                <a16:creationId xmlns:a16="http://schemas.microsoft.com/office/drawing/2014/main" id="{2246436C-2363-F9B8-C016-BC11843258A6}"/>
+              </a:ext>
+            </a:extLst>
+          </p:cNvPr>
+          <p:cNvPicPr>
+            <a:picLocks noChangeAspect="1"/>
+          </p:cNvPicPr>
+          <p:nvPr/>
+        </p:nvPicPr>
+        <p:blipFill>
+          <a:blip r:embed="rId2"/>
+          <a:stretch>
+            <a:fillRect/>
+          </a:stretch>
+        </p:blipFill>
+        <p:spPr>
+          <a:xfrm>
+            <a:off x="367410" y="2655202"/>
+            <a:ext cx="11244968" cy="756738"/>
+          </a:xfrm>
+          <a:prstGeom prst="rect">
+            <a:avLst/>
+          </a:prstGeom>
+        </p:spPr>
+      </p:pic>
+      <p:sp>
+        <p:nvSpPr>
+          <p:cNvPr id="8" name="Rectangle 7">
+            <a:extLst>
+              <a:ext uri="{FF2B5EF4-FFF2-40B4-BE49-F238E27FC236}">
+                <a16:creationId xmlns:a16="http://schemas.microsoft.com/office/drawing/2014/main" id="{3B6C7549-CC20-61E0-D074-9DF5E8FA8733}"/>
+              </a:ext>
+            </a:extLst>
+          </p:cNvPr>
+          <p:cNvSpPr/>
+          <p:nvPr/>
+        </p:nvSpPr>
+        <p:spPr>
+          <a:xfrm>
+            <a:off x="956962" y="2930609"/>
+            <a:ext cx="274595" cy="247136"/>
+          </a:xfrm>
+          <a:prstGeom prst="rect">
+            <a:avLst/>
+          </a:prstGeom>
+          <a:noFill/>
+          <a:ln w="28575">
+            <a:solidFill>
+              <a:srgbClr val="FF0000"/>
+            </a:solidFill>
+          </a:ln>
+        </p:spPr>
+        <p:style>
+          <a:lnRef idx="2">
+            <a:schemeClr val="accent1">
+              <a:shade val="50000"/>
+            </a:schemeClr>
+          </a:lnRef>
+          <a:fillRef idx="1">
+            <a:schemeClr val="accent1"/>
+          </a:fillRef>
+          <a:effectRef idx="0">
+            <a:schemeClr val="accent1"/>
+          </a:effectRef>
+          <a:fontRef idx="minor">
+            <a:schemeClr val="lt1"/>
+          </a:fontRef>
+        </p:style>
+        <p:txBody>
+          <a:bodyPr rtlCol="0" anchor="ctr"/>
+          <a:lstStyle/>
+          <a:p>
+            <a:pPr algn="ctr"/>
+            <a:endParaRPr lang="en-US"/>
+          </a:p>
+        </p:txBody>
+      </p:sp>
+      <p:sp>
+        <p:nvSpPr>
+          <p:cNvPr id="10" name="Rectangle 9">
+            <a:extLst>
+              <a:ext uri="{FF2B5EF4-FFF2-40B4-BE49-F238E27FC236}">
+                <a16:creationId xmlns:a16="http://schemas.microsoft.com/office/drawing/2014/main" id="{95239040-9F9B-36C5-C646-23B598823DBD}"/>
+              </a:ext>
+            </a:extLst>
+          </p:cNvPr>
+          <p:cNvSpPr/>
+          <p:nvPr/>
+        </p:nvSpPr>
+        <p:spPr>
+          <a:xfrm>
+            <a:off x="3318475" y="2910014"/>
+            <a:ext cx="617838" cy="267730"/>
+          </a:xfrm>
+          <a:prstGeom prst="rect">
+            <a:avLst/>
+          </a:prstGeom>
+          <a:noFill/>
+          <a:ln w="28575">
+            <a:solidFill>
+              <a:srgbClr val="FF0000"/>
+            </a:solidFill>
+          </a:ln>
+        </p:spPr>
+        <p:style>
+          <a:lnRef idx="2">
+            <a:schemeClr val="accent1">
+              <a:shade val="50000"/>
+            </a:schemeClr>
+          </a:lnRef>
+          <a:fillRef idx="1">
+            <a:schemeClr val="accent1"/>
+          </a:fillRef>
+          <a:effectRef idx="0">
+            <a:schemeClr val="accent1"/>
+          </a:effectRef>
+          <a:fontRef idx="minor">
+            <a:schemeClr val="lt1"/>
+          </a:fontRef>
+        </p:style>
+        <p:txBody>
+          <a:bodyPr rtlCol="0" anchor="ctr"/>
+          <a:lstStyle/>
+          <a:p>
+            <a:pPr algn="ctr"/>
+            <a:endParaRPr lang="en-US"/>
           </a:p>
         </p:txBody>
       </p:sp>
     </p:spTree>
     <p:extLst>
       <p:ext uri="{BB962C8B-B14F-4D97-AF65-F5344CB8AC3E}">
-        <p14:creationId xmlns:p14="http://schemas.microsoft.com/office/powerpoint/2010/main" val="2278036512"/>
+        <p14:creationId xmlns:p14="http://schemas.microsoft.com/office/powerpoint/2010/main" val="503009080"/>
       </p:ext>
     </p:extLst>
   </p:cSld>
@@ -4411,6 +4738,19 @@
 </file>
 
 <file path=customXml/item1.xml><?xml version="1.0" encoding="utf-8"?>
+<p:properties xmlns:p="http://schemas.microsoft.com/office/2006/metadata/properties" xmlns:xsi="http://www.w3.org/2001/XMLSchema-instance" xmlns:pc="http://schemas.microsoft.com/office/infopath/2007/PartnerControls">
+  <documentManagement>
+    <Size xmlns="c7c738f6-68ec-422e-b0e4-3523873f7adf" xsi:nil="true"/>
+    <lcf76f155ced4ddcb4097134ff3c332f xmlns="c7c738f6-68ec-422e-b0e4-3523873f7adf">
+      <Terms xmlns="http://schemas.microsoft.com/office/infopath/2007/PartnerControls"/>
+    </lcf76f155ced4ddcb4097134ff3c332f>
+    <TaxCatchAll xmlns="542b8847-f5d4-4c9f-bd30-657d16e5db1d" xsi:nil="true"/>
+    <_Flow_SignoffStatus xmlns="c7c738f6-68ec-422e-b0e4-3523873f7adf" xsi:nil="true"/>
+  </documentManagement>
+</p:properties>
+</file>
+
+<file path=customXml/item2.xml><?xml version="1.0" encoding="utf-8"?>
 <ct:contentTypeSchema xmlns:ct="http://schemas.microsoft.com/office/2006/metadata/contentType" xmlns:ma="http://schemas.microsoft.com/office/2006/metadata/properties/metaAttributes" ct:_="" ma:_="" ma:contentTypeName="Document" ma:contentTypeID="0x0101009204A49901785041AF741C157FF60EBA" ma:contentTypeVersion="18" ma:contentTypeDescription="Create a new document." ma:contentTypeScope="" ma:versionID="53b17709f1baef69b61bd03463dafbd0">
   <xsd:schema xmlns:xsd="http://www.w3.org/2001/XMLSchema" xmlns:xs="http://www.w3.org/2001/XMLSchema" xmlns:p="http://schemas.microsoft.com/office/2006/metadata/properties" xmlns:ns2="c7c738f6-68ec-422e-b0e4-3523873f7adf" xmlns:ns3="542b8847-f5d4-4c9f-bd30-657d16e5db1d" targetNamespace="http://schemas.microsoft.com/office/2006/metadata/properties" ma:root="true" ma:fieldsID="5ba9c385811dc0e6eef34b0e6e0ce819" ns2:_="" ns3:_="">
     <xsd:import namespace="c7c738f6-68ec-422e-b0e4-3523873f7adf"/>
@@ -4665,19 +5005,6 @@
 </ct:contentTypeSchema>
 </file>
 
-<file path=customXml/item2.xml><?xml version="1.0" encoding="utf-8"?>
-<p:properties xmlns:p="http://schemas.microsoft.com/office/2006/metadata/properties" xmlns:xsi="http://www.w3.org/2001/XMLSchema-instance" xmlns:pc="http://schemas.microsoft.com/office/infopath/2007/PartnerControls">
-  <documentManagement>
-    <Size xmlns="c7c738f6-68ec-422e-b0e4-3523873f7adf" xsi:nil="true"/>
-    <lcf76f155ced4ddcb4097134ff3c332f xmlns="c7c738f6-68ec-422e-b0e4-3523873f7adf">
-      <Terms xmlns="http://schemas.microsoft.com/office/infopath/2007/PartnerControls"/>
-    </lcf76f155ced4ddcb4097134ff3c332f>
-    <TaxCatchAll xmlns="542b8847-f5d4-4c9f-bd30-657d16e5db1d" xsi:nil="true"/>
-    <_Flow_SignoffStatus xmlns="c7c738f6-68ec-422e-b0e4-3523873f7adf" xsi:nil="true"/>
-  </documentManagement>
-</p:properties>
-</file>
-
 <file path=customXml/item3.xml><?xml version="1.0" encoding="utf-8"?>
 <?mso-contentType ?>
 <FormTemplates xmlns="http://schemas.microsoft.com/sharepoint/v3/contenttype/forms">
@@ -4688,6 +5015,17 @@
 </file>
 
 <file path=customXml/itemProps1.xml><?xml version="1.0" encoding="utf-8"?>
+<ds:datastoreItem xmlns:ds="http://schemas.openxmlformats.org/officeDocument/2006/customXml" ds:itemID="{4977DC43-A29B-46F8-92E7-ECBC78C89266}">
+  <ds:schemaRefs>
+    <ds:schemaRef ds:uri="http://schemas.microsoft.com/office/2006/metadata/properties"/>
+    <ds:schemaRef ds:uri="http://schemas.microsoft.com/office/infopath/2007/PartnerControls"/>
+    <ds:schemaRef ds:uri="c7c738f6-68ec-422e-b0e4-3523873f7adf"/>
+    <ds:schemaRef ds:uri="542b8847-f5d4-4c9f-bd30-657d16e5db1d"/>
+  </ds:schemaRefs>
+</ds:datastoreItem>
+</file>
+
+<file path=customXml/itemProps2.xml><?xml version="1.0" encoding="utf-8"?>
 <ds:datastoreItem xmlns:ds="http://schemas.openxmlformats.org/officeDocument/2006/customXml" ds:itemID="{35FD1370-04AA-4589-81CE-F08990716077}">
   <ds:schemaRefs>
     <ds:schemaRef ds:uri="http://schemas.microsoft.com/office/2006/metadata/contentType"/>
@@ -4706,17 +5044,6 @@
 </ds:datastoreItem>
 </file>
 
-<file path=customXml/itemProps2.xml><?xml version="1.0" encoding="utf-8"?>
-<ds:datastoreItem xmlns:ds="http://schemas.openxmlformats.org/officeDocument/2006/customXml" ds:itemID="{4977DC43-A29B-46F8-92E7-ECBC78C89266}">
-  <ds:schemaRefs>
-    <ds:schemaRef ds:uri="http://schemas.microsoft.com/office/2006/metadata/properties"/>
-    <ds:schemaRef ds:uri="http://schemas.microsoft.com/office/infopath/2007/PartnerControls"/>
-    <ds:schemaRef ds:uri="c7c738f6-68ec-422e-b0e4-3523873f7adf"/>
-    <ds:schemaRef ds:uri="542b8847-f5d4-4c9f-bd30-657d16e5db1d"/>
-  </ds:schemaRefs>
-</ds:datastoreItem>
-</file>
-
 <file path=customXml/itemProps3.xml><?xml version="1.0" encoding="utf-8"?>
 <ds:datastoreItem xmlns:ds="http://schemas.openxmlformats.org/officeDocument/2006/customXml" ds:itemID="{B4289391-3766-46F2-BA66-C692E9086156}">
   <ds:schemaRefs>
